--- a/Docker.pptx
+++ b/Docker.pptx
@@ -15,19 +15,24 @@
     <p:sldId id="272" r:id="rId9"/>
     <p:sldId id="273" r:id="rId10"/>
     <p:sldId id="271" r:id="rId11"/>
-    <p:sldId id="275" r:id="rId12"/>
-    <p:sldId id="278" r:id="rId13"/>
-    <p:sldId id="276" r:id="rId14"/>
-    <p:sldId id="277" r:id="rId15"/>
-    <p:sldId id="279" r:id="rId16"/>
-    <p:sldId id="280" r:id="rId17"/>
-    <p:sldId id="281" r:id="rId18"/>
-    <p:sldId id="282" r:id="rId19"/>
-    <p:sldId id="283" r:id="rId20"/>
-    <p:sldId id="284" r:id="rId21"/>
-    <p:sldId id="285" r:id="rId22"/>
-    <p:sldId id="264" r:id="rId23"/>
-    <p:sldId id="265" r:id="rId24"/>
+    <p:sldId id="286" r:id="rId12"/>
+    <p:sldId id="279" r:id="rId13"/>
+    <p:sldId id="280" r:id="rId14"/>
+    <p:sldId id="281" r:id="rId15"/>
+    <p:sldId id="284" r:id="rId16"/>
+    <p:sldId id="282" r:id="rId17"/>
+    <p:sldId id="287" r:id="rId18"/>
+    <p:sldId id="283" r:id="rId19"/>
+    <p:sldId id="285" r:id="rId20"/>
+    <p:sldId id="275" r:id="rId21"/>
+    <p:sldId id="278" r:id="rId22"/>
+    <p:sldId id="276" r:id="rId23"/>
+    <p:sldId id="277" r:id="rId24"/>
+    <p:sldId id="288" r:id="rId25"/>
+    <p:sldId id="289" r:id="rId26"/>
+    <p:sldId id="290" r:id="rId27"/>
+    <p:sldId id="264" r:id="rId28"/>
+    <p:sldId id="265" r:id="rId29"/>
   </p:sldIdLst>
   <p:sldSz cx="9144000" cy="6858000" type="screen4x3"/>
   <p:notesSz cx="6858000" cy="9144000"/>
@@ -788,7 +793,7 @@
             <a:fld id="{100A3043-998B-4D12-B890-019C5CA11EEC}" type="datetimeFigureOut">
               <a:rPr lang="en-IN" smtClean="0"/>
               <a:pPr/>
-              <a:t>03-01-2019</a:t>
+              <a:t>06-01-2019</a:t>
             </a:fld>
             <a:endParaRPr lang="en-IN"/>
           </a:p>
@@ -973,7 +978,7 @@
             <a:fld id="{100A3043-998B-4D12-B890-019C5CA11EEC}" type="datetimeFigureOut">
               <a:rPr lang="en-IN" smtClean="0"/>
               <a:pPr/>
-              <a:t>03-01-2019</a:t>
+              <a:t>06-01-2019</a:t>
             </a:fld>
             <a:endParaRPr lang="en-IN"/>
           </a:p>
@@ -1150,7 +1155,7 @@
             <a:fld id="{100A3043-998B-4D12-B890-019C5CA11EEC}" type="datetimeFigureOut">
               <a:rPr lang="en-IN" smtClean="0"/>
               <a:pPr/>
-              <a:t>03-01-2019</a:t>
+              <a:t>06-01-2019</a:t>
             </a:fld>
             <a:endParaRPr lang="en-IN"/>
           </a:p>
@@ -1317,7 +1322,7 @@
             <a:fld id="{100A3043-998B-4D12-B890-019C5CA11EEC}" type="datetimeFigureOut">
               <a:rPr lang="en-IN" smtClean="0"/>
               <a:pPr/>
-              <a:t>03-01-2019</a:t>
+              <a:t>06-01-2019</a:t>
             </a:fld>
             <a:endParaRPr lang="en-IN"/>
           </a:p>
@@ -1540,7 +1545,7 @@
             <a:fld id="{100A3043-998B-4D12-B890-019C5CA11EEC}" type="datetimeFigureOut">
               <a:rPr lang="en-IN" smtClean="0"/>
               <a:pPr/>
-              <a:t>03-01-2019</a:t>
+              <a:t>06-01-2019</a:t>
             </a:fld>
             <a:endParaRPr lang="en-IN"/>
           </a:p>
@@ -1801,7 +1806,7 @@
             <a:fld id="{100A3043-998B-4D12-B890-019C5CA11EEC}" type="datetimeFigureOut">
               <a:rPr lang="en-IN" smtClean="0"/>
               <a:pPr/>
-              <a:t>03-01-2019</a:t>
+              <a:t>06-01-2019</a:t>
             </a:fld>
             <a:endParaRPr lang="en-IN"/>
           </a:p>
@@ -2207,7 +2212,7 @@
             <a:fld id="{100A3043-998B-4D12-B890-019C5CA11EEC}" type="datetimeFigureOut">
               <a:rPr lang="en-IN" smtClean="0"/>
               <a:pPr/>
-              <a:t>03-01-2019</a:t>
+              <a:t>06-01-2019</a:t>
             </a:fld>
             <a:endParaRPr lang="en-IN"/>
           </a:p>
@@ -2340,7 +2345,7 @@
             <a:fld id="{100A3043-998B-4D12-B890-019C5CA11EEC}" type="datetimeFigureOut">
               <a:rPr lang="en-IN" smtClean="0"/>
               <a:pPr/>
-              <a:t>03-01-2019</a:t>
+              <a:t>06-01-2019</a:t>
             </a:fld>
             <a:endParaRPr lang="en-IN"/>
           </a:p>
@@ -2442,7 +2447,7 @@
             <a:fld id="{100A3043-998B-4D12-B890-019C5CA11EEC}" type="datetimeFigureOut">
               <a:rPr lang="en-IN" smtClean="0"/>
               <a:pPr/>
-              <a:t>03-01-2019</a:t>
+              <a:t>06-01-2019</a:t>
             </a:fld>
             <a:endParaRPr lang="en-IN"/>
           </a:p>
@@ -2689,7 +2694,7 @@
             <a:fld id="{100A3043-998B-4D12-B890-019C5CA11EEC}" type="datetimeFigureOut">
               <a:rPr lang="en-IN" smtClean="0"/>
               <a:pPr/>
-              <a:t>03-01-2019</a:t>
+              <a:t>06-01-2019</a:t>
             </a:fld>
             <a:endParaRPr lang="en-IN"/>
           </a:p>
@@ -2935,7 +2940,7 @@
             <a:fld id="{100A3043-998B-4D12-B890-019C5CA11EEC}" type="datetimeFigureOut">
               <a:rPr lang="en-IN" smtClean="0"/>
               <a:pPr/>
-              <a:t>03-01-2019</a:t>
+              <a:t>06-01-2019</a:t>
             </a:fld>
             <a:endParaRPr lang="en-IN"/>
           </a:p>
@@ -3761,7 +3766,7 @@
             <a:fld id="{100A3043-998B-4D12-B890-019C5CA11EEC}" type="datetimeFigureOut">
               <a:rPr lang="en-IN" smtClean="0"/>
               <a:pPr/>
-              <a:t>03-01-2019</a:t>
+              <a:t>06-01-2019</a:t>
             </a:fld>
             <a:endParaRPr lang="en-IN"/>
           </a:p>
@@ -4321,6 +4326,13 @@
   <p:clrMapOvr>
     <a:masterClrMapping/>
   </p:clrMapOvr>
+  <p:timing>
+    <p:tnLst>
+      <p:par>
+        <p:cTn id="1" dur="indefinite" restart="never" nodeType="tmRoot"/>
+      </p:par>
+    </p:tnLst>
+  </p:timing>
 </p:sld>
 </file>
 
@@ -4351,100 +4363,70 @@
             <p:ph type="title"/>
           </p:nvPr>
         </p:nvSpPr>
-        <p:spPr/>
+        <p:spPr>
+          <a:xfrm>
+            <a:off x="467544" y="764704"/>
+            <a:ext cx="8229600" cy="648072"/>
+          </a:xfrm>
+        </p:spPr>
         <p:txBody>
           <a:bodyPr>
-            <a:normAutofit/>
+            <a:normAutofit fontScale="90000"/>
           </a:bodyPr>
           <a:lstStyle/>
           <a:p>
             <a:r>
-              <a:rPr lang="en-IN" dirty="0" smtClean="0"/>
-              <a:t>What is </a:t>
-            </a:r>
-            <a:r>
               <a:rPr lang="en-IN" dirty="0" err="1" smtClean="0"/>
-              <a:t>Dockerfile</a:t>
-            </a:r>
-            <a:r>
-              <a:rPr lang="en-IN" dirty="0" smtClean="0"/>
-              <a:t> ?</a:t>
+              <a:t>Docker</a:t>
+            </a:r>
+            <a:r>
+              <a:rPr lang="en-IN" dirty="0" smtClean="0"/>
+              <a:t> container life cycle</a:t>
             </a:r>
             <a:endParaRPr lang="en-IN" dirty="0"/>
           </a:p>
         </p:txBody>
       </p:sp>
-      <p:sp>
-        <p:nvSpPr>
-          <p:cNvPr id="3" name="Content Placeholder 2"/>
-          <p:cNvSpPr>
-            <a:spLocks noGrp="1"/>
-          </p:cNvSpPr>
+      <p:pic>
+        <p:nvPicPr>
+          <p:cNvPr id="1026" name="Picture 2" descr="C:\Users\chakra_ge\Pictures\docker-lifecycle.png"/>
+          <p:cNvPicPr>
+            <a:picLocks noGrp="1" noChangeAspect="1" noChangeArrowheads="1"/>
+          </p:cNvPicPr>
           <p:nvPr>
             <p:ph idx="1"/>
           </p:nvPr>
-        </p:nvSpPr>
-        <p:spPr/>
-        <p:txBody>
-          <a:bodyPr/>
-          <a:lstStyle/>
-          <a:p>
-            <a:pPr>
-              <a:buNone/>
-            </a:pPr>
-            <a:r>
-              <a:rPr lang="en-IN" dirty="0" err="1" smtClean="0"/>
-              <a:t>Dockerfile</a:t>
-            </a:r>
-            <a:r>
-              <a:rPr lang="en-IN" dirty="0" smtClean="0"/>
-              <a:t> is a text document that contains all the commands a user could call on the CLI to assemble an image.</a:t>
-            </a:r>
-          </a:p>
-          <a:p>
-            <a:pPr>
-              <a:buNone/>
-            </a:pPr>
-            <a:r>
-              <a:rPr lang="en-IN" dirty="0" smtClean="0"/>
-              <a:t>Using </a:t>
-            </a:r>
-            <a:r>
-              <a:rPr lang="en-IN" dirty="0" err="1" smtClean="0"/>
-              <a:t>docker</a:t>
-            </a:r>
-            <a:r>
-              <a:rPr lang="en-IN" dirty="0" smtClean="0"/>
-              <a:t> build command users can create an automated build that executed several command-line instructions in succession. </a:t>
-            </a:r>
-          </a:p>
-          <a:p>
-            <a:pPr>
-              <a:buNone/>
-            </a:pPr>
-            <a:endParaRPr lang="en-IN" dirty="0" smtClean="0"/>
-          </a:p>
-          <a:p>
-            <a:pPr>
-              <a:buNone/>
-            </a:pPr>
-            <a:r>
-              <a:rPr lang="en-IN" dirty="0" err="1" smtClean="0"/>
-              <a:t>docker</a:t>
-            </a:r>
-            <a:r>
-              <a:rPr lang="en-IN" dirty="0" smtClean="0"/>
-              <a:t> build -t {IMAGE_NAME} .</a:t>
-            </a:r>
-            <a:endParaRPr lang="en-IN" dirty="0"/>
-          </a:p>
-        </p:txBody>
-      </p:sp>
+        </p:nvPicPr>
+        <p:blipFill>
+          <a:blip r:embed="rId2" cstate="print"/>
+          <a:srcRect/>
+          <a:stretch>
+            <a:fillRect/>
+          </a:stretch>
+        </p:blipFill>
+        <p:spPr bwMode="auto">
+          <a:xfrm>
+            <a:off x="0" y="1412776"/>
+            <a:ext cx="9144000" cy="5445224"/>
+          </a:xfrm>
+          <a:prstGeom prst="rect">
+            <a:avLst/>
+          </a:prstGeom>
+          <a:noFill/>
+        </p:spPr>
+      </p:pic>
     </p:spTree>
   </p:cSld>
   <p:clrMapOvr>
     <a:masterClrMapping/>
   </p:clrMapOvr>
+  <p:timing>
+    <p:tnLst>
+      <p:par>
+        <p:cTn id="1" dur="indefinite" restart="never" nodeType="tmRoot"/>
+      </p:par>
+    </p:tnLst>
+  </p:timing>
 </p:sld>
 </file>
 
@@ -4475,7 +4457,12 @@
             <p:ph type="title"/>
           </p:nvPr>
         </p:nvSpPr>
-        <p:spPr/>
+        <p:spPr>
+          <a:xfrm>
+            <a:off x="2339752" y="2780928"/>
+            <a:ext cx="4593704" cy="1066800"/>
+          </a:xfrm>
+        </p:spPr>
         <p:txBody>
           <a:bodyPr/>
           <a:lstStyle/>
@@ -4486,82 +4473,8 @@
             </a:r>
             <a:r>
               <a:rPr lang="en-IN" dirty="0" smtClean="0"/>
-              <a:t> Image </a:t>
-            </a:r>
-            <a:r>
-              <a:rPr lang="en-IN" dirty="0" err="1" smtClean="0"/>
-              <a:t>vs</a:t>
-            </a:r>
-            <a:r>
-              <a:rPr lang="en-IN" dirty="0" smtClean="0"/>
-              <a:t> Layer</a:t>
-            </a:r>
-            <a:endParaRPr lang="en-IN" dirty="0"/>
-          </a:p>
-        </p:txBody>
-      </p:sp>
-      <p:sp>
-        <p:nvSpPr>
-          <p:cNvPr id="3" name="Content Placeholder 2"/>
-          <p:cNvSpPr>
-            <a:spLocks noGrp="1"/>
-          </p:cNvSpPr>
-          <p:nvPr>
-            <p:ph idx="1"/>
-          </p:nvPr>
-        </p:nvSpPr>
-        <p:spPr/>
-        <p:txBody>
-          <a:bodyPr/>
-          <a:lstStyle/>
-          <a:p>
-            <a:r>
-              <a:rPr lang="en-IN" b="1" dirty="0" smtClean="0"/>
-              <a:t>Image</a:t>
-            </a:r>
-            <a:r>
-              <a:rPr lang="en-IN" dirty="0" smtClean="0"/>
-              <a:t>: A </a:t>
-            </a:r>
-            <a:r>
-              <a:rPr lang="en-IN" dirty="0" err="1" smtClean="0"/>
-              <a:t>Docker</a:t>
-            </a:r>
-            <a:r>
-              <a:rPr lang="en-IN" dirty="0" smtClean="0"/>
-              <a:t> image is built up from a series of </a:t>
-            </a:r>
-            <a:r>
-              <a:rPr lang="en-IN" b="1" dirty="0" smtClean="0"/>
-              <a:t>read-only</a:t>
-            </a:r>
-            <a:r>
-              <a:rPr lang="en-IN" dirty="0" smtClean="0"/>
-              <a:t> layers</a:t>
-            </a:r>
-          </a:p>
-          <a:p>
-            <a:r>
-              <a:rPr lang="en-IN" b="1" dirty="0" smtClean="0"/>
-              <a:t>Layer</a:t>
-            </a:r>
-            <a:r>
-              <a:rPr lang="en-IN" dirty="0" smtClean="0"/>
-              <a:t>: Each layer represents an instruction in the image’s </a:t>
-            </a:r>
-            <a:r>
-              <a:rPr lang="en-IN" dirty="0" err="1" smtClean="0"/>
-              <a:t>Dockerfile</a:t>
-            </a:r>
-            <a:r>
-              <a:rPr lang="en-IN" dirty="0" smtClean="0"/>
-              <a:t>.</a:t>
-            </a:r>
-          </a:p>
-          <a:p>
-            <a:pPr>
-              <a:buNone/>
-            </a:pPr>
+              <a:t> commands</a:t>
+            </a:r>
             <a:endParaRPr lang="en-IN" dirty="0"/>
           </a:p>
         </p:txBody>
@@ -4571,6 +4484,13 @@
   <p:clrMapOvr>
     <a:masterClrMapping/>
   </p:clrMapOvr>
+  <p:timing>
+    <p:tnLst>
+      <p:par>
+        <p:cTn id="1" dur="indefinite" restart="never" nodeType="tmRoot"/>
+      </p:par>
+    </p:tnLst>
+  </p:timing>
 </p:sld>
 </file>
 
@@ -4593,7 +4513,7 @@
       </p:grpSpPr>
       <p:sp>
         <p:nvSpPr>
-          <p:cNvPr id="4" name="Title 3"/>
+          <p:cNvPr id="2" name="Title 1"/>
           <p:cNvSpPr>
             <a:spLocks noGrp="1"/>
           </p:cNvSpPr>
@@ -4603,8 +4523,8 @@
         </p:nvSpPr>
         <p:spPr>
           <a:xfrm>
-            <a:off x="467544" y="764704"/>
-            <a:ext cx="8229600" cy="1066800"/>
+            <a:off x="395536" y="548680"/>
+            <a:ext cx="8229600" cy="850776"/>
           </a:xfrm>
         </p:spPr>
         <p:txBody>
@@ -4612,12 +4532,8 @@
           <a:lstStyle/>
           <a:p>
             <a:r>
-              <a:rPr lang="en-IN" dirty="0" err="1" smtClean="0"/>
-              <a:t>Dockerfile</a:t>
-            </a:r>
-            <a:r>
-              <a:rPr lang="en-IN" dirty="0" smtClean="0"/>
-              <a:t> instructions</a:t>
+              <a:rPr lang="en-IN" dirty="0" smtClean="0"/>
+              <a:t>General Usage	</a:t>
             </a:r>
             <a:endParaRPr lang="en-IN" dirty="0"/>
           </a:p>
@@ -4625,7 +4541,7 @@
       </p:sp>
       <p:sp>
         <p:nvSpPr>
-          <p:cNvPr id="5" name="Content Placeholder 4"/>
+          <p:cNvPr id="3" name="Content Placeholder 2"/>
           <p:cNvSpPr>
             <a:spLocks noGrp="1"/>
           </p:cNvSpPr>
@@ -4635,99 +4551,252 @@
         </p:nvSpPr>
         <p:spPr>
           <a:xfrm>
-            <a:off x="467544" y="1988840"/>
-            <a:ext cx="8229600" cy="4325112"/>
+            <a:off x="539552" y="1340768"/>
+            <a:ext cx="8229600" cy="5517232"/>
           </a:xfrm>
         </p:spPr>
         <p:txBody>
           <a:bodyPr>
-            <a:normAutofit fontScale="70000" lnSpcReduction="20000"/>
+            <a:normAutofit fontScale="85000" lnSpcReduction="20000"/>
           </a:bodyPr>
           <a:lstStyle/>
           <a:p>
             <a:r>
               <a:rPr lang="en-IN" dirty="0" smtClean="0"/>
-              <a:t>FROM</a:t>
-            </a:r>
-          </a:p>
-          <a:p>
-            <a:r>
-              <a:rPr lang="en-IN" dirty="0" smtClean="0"/>
-              <a:t>RUN</a:t>
-            </a:r>
-          </a:p>
-          <a:p>
-            <a:r>
-              <a:rPr lang="en-IN" dirty="0" smtClean="0"/>
-              <a:t>CMD</a:t>
-            </a:r>
-          </a:p>
-          <a:p>
-            <a:r>
-              <a:rPr lang="en-IN" dirty="0" smtClean="0"/>
-              <a:t>MAINTAINER</a:t>
-            </a:r>
-          </a:p>
-          <a:p>
-            <a:r>
-              <a:rPr lang="en-IN" dirty="0" smtClean="0"/>
-              <a:t>LABEL</a:t>
-            </a:r>
-          </a:p>
-          <a:p>
-            <a:r>
-              <a:rPr lang="en-IN" dirty="0" smtClean="0"/>
-              <a:t>EXPOSE</a:t>
-            </a:r>
-          </a:p>
-          <a:p>
-            <a:r>
-              <a:rPr lang="en-IN" dirty="0" smtClean="0"/>
-              <a:t>ENV</a:t>
-            </a:r>
-          </a:p>
-          <a:p>
-            <a:r>
-              <a:rPr lang="en-IN" dirty="0" smtClean="0"/>
-              <a:t>ADD</a:t>
-            </a:r>
-          </a:p>
-          <a:p>
-            <a:r>
-              <a:rPr lang="en-IN" dirty="0" smtClean="0"/>
-              <a:t>COPY</a:t>
-            </a:r>
-          </a:p>
-          <a:p>
-            <a:r>
-              <a:rPr lang="en-IN" dirty="0" smtClean="0"/>
-              <a:t>ENTYPOINT</a:t>
-            </a:r>
-          </a:p>
-          <a:p>
-            <a:r>
-              <a:rPr lang="en-IN" dirty="0" smtClean="0"/>
-              <a:t>VOLUME</a:t>
-            </a:r>
-          </a:p>
-          <a:p>
-            <a:r>
-              <a:rPr lang="en-IN" dirty="0" smtClean="0"/>
-              <a:t>USER</a:t>
-            </a:r>
-          </a:p>
-          <a:p>
-            <a:r>
-              <a:rPr lang="en-IN" dirty="0" smtClean="0"/>
-              <a:t>WORKDIR</a:t>
-            </a:r>
-          </a:p>
-          <a:p>
-            <a:r>
-              <a:rPr lang="en-IN" dirty="0" smtClean="0"/>
-              <a:t>ONBUILD</a:t>
-            </a:r>
-            <a:endParaRPr lang="en-IN" dirty="0"/>
+              <a:t>Start a container in background </a:t>
+            </a:r>
+          </a:p>
+          <a:p>
+            <a:pPr>
+              <a:buNone/>
+            </a:pPr>
+            <a:r>
+              <a:rPr lang="en-IN" b="1" dirty="0" smtClean="0"/>
+              <a:t>	</a:t>
+            </a:r>
+            <a:r>
+              <a:rPr lang="en-IN" b="1" dirty="0" err="1" smtClean="0"/>
+              <a:t>docker</a:t>
+            </a:r>
+            <a:r>
+              <a:rPr lang="en-IN" b="1" dirty="0" smtClean="0"/>
+              <a:t> run -d </a:t>
+            </a:r>
+            <a:r>
+              <a:rPr lang="en-IN" b="1" dirty="0" err="1" smtClean="0"/>
+              <a:t>jenkins</a:t>
+            </a:r>
+            <a:r>
+              <a:rPr lang="en-IN" b="1" dirty="0" smtClean="0"/>
+              <a:t> </a:t>
+            </a:r>
+          </a:p>
+          <a:p>
+            <a:r>
+              <a:rPr lang="en-IN" dirty="0" smtClean="0"/>
+              <a:t>Start an interactive container </a:t>
+            </a:r>
+          </a:p>
+          <a:p>
+            <a:pPr>
+              <a:buNone/>
+            </a:pPr>
+            <a:r>
+              <a:rPr lang="en-IN" b="1" dirty="0" smtClean="0"/>
+              <a:t>	</a:t>
+            </a:r>
+            <a:r>
+              <a:rPr lang="en-IN" b="1" dirty="0" err="1" smtClean="0"/>
+              <a:t>docker</a:t>
+            </a:r>
+            <a:r>
+              <a:rPr lang="en-IN" b="1" dirty="0" smtClean="0"/>
+              <a:t> run -it </a:t>
+            </a:r>
+            <a:r>
+              <a:rPr lang="en-IN" b="1" dirty="0" err="1" smtClean="0"/>
+              <a:t>ubuntu</a:t>
+            </a:r>
+            <a:r>
+              <a:rPr lang="en-IN" b="1" dirty="0" smtClean="0"/>
+              <a:t> bash </a:t>
+            </a:r>
+          </a:p>
+          <a:p>
+            <a:r>
+              <a:rPr lang="en-IN" dirty="0" smtClean="0"/>
+              <a:t>Export port from a container </a:t>
+            </a:r>
+          </a:p>
+          <a:p>
+            <a:pPr>
+              <a:buNone/>
+            </a:pPr>
+            <a:r>
+              <a:rPr lang="en-IN" b="1" dirty="0" smtClean="0"/>
+              <a:t>	</a:t>
+            </a:r>
+            <a:r>
+              <a:rPr lang="en-IN" b="1" dirty="0" err="1" smtClean="0"/>
+              <a:t>docker</a:t>
+            </a:r>
+            <a:r>
+              <a:rPr lang="en-IN" b="1" dirty="0" smtClean="0"/>
+              <a:t> run -p 80:80 -d </a:t>
+            </a:r>
+            <a:r>
+              <a:rPr lang="en-IN" b="1" dirty="0" err="1" smtClean="0"/>
+              <a:t>nginx</a:t>
+            </a:r>
+            <a:r>
+              <a:rPr lang="en-IN" b="1" dirty="0" smtClean="0"/>
+              <a:t> </a:t>
+            </a:r>
+          </a:p>
+          <a:p>
+            <a:r>
+              <a:rPr lang="en-IN" dirty="0" smtClean="0"/>
+              <a:t>Start a named container </a:t>
+            </a:r>
+          </a:p>
+          <a:p>
+            <a:pPr>
+              <a:buNone/>
+            </a:pPr>
+            <a:r>
+              <a:rPr lang="en-IN" dirty="0" smtClean="0"/>
+              <a:t>	</a:t>
+            </a:r>
+            <a:r>
+              <a:rPr lang="en-IN" b="1" dirty="0" err="1" smtClean="0"/>
+              <a:t>docker</a:t>
+            </a:r>
+            <a:r>
+              <a:rPr lang="en-IN" b="1" dirty="0" smtClean="0"/>
+              <a:t> run --name </a:t>
+            </a:r>
+            <a:r>
+              <a:rPr lang="en-IN" b="1" dirty="0" err="1" smtClean="0"/>
+              <a:t>mydb</a:t>
+            </a:r>
+            <a:r>
+              <a:rPr lang="en-IN" b="1" dirty="0" smtClean="0"/>
+              <a:t> </a:t>
+            </a:r>
+            <a:r>
+              <a:rPr lang="en-IN" b="1" dirty="0" err="1" smtClean="0"/>
+              <a:t>redis</a:t>
+            </a:r>
+            <a:r>
+              <a:rPr lang="en-IN" b="1" dirty="0" smtClean="0"/>
+              <a:t> </a:t>
+            </a:r>
+          </a:p>
+          <a:p>
+            <a:r>
+              <a:rPr lang="en-IN" dirty="0" smtClean="0"/>
+              <a:t>Restart a stopped container </a:t>
+            </a:r>
+          </a:p>
+          <a:p>
+            <a:pPr>
+              <a:buNone/>
+            </a:pPr>
+            <a:r>
+              <a:rPr lang="en-IN" dirty="0" smtClean="0"/>
+              <a:t>	</a:t>
+            </a:r>
+            <a:r>
+              <a:rPr lang="en-IN" b="1" dirty="0" err="1" smtClean="0"/>
+              <a:t>docker</a:t>
+            </a:r>
+            <a:r>
+              <a:rPr lang="en-IN" b="1" dirty="0" smtClean="0"/>
+              <a:t> start </a:t>
+            </a:r>
+            <a:r>
+              <a:rPr lang="en-IN" b="1" dirty="0" err="1" smtClean="0"/>
+              <a:t>mydb</a:t>
+            </a:r>
+            <a:r>
+              <a:rPr lang="en-IN" b="1" dirty="0" smtClean="0"/>
+              <a:t> </a:t>
+            </a:r>
+          </a:p>
+          <a:p>
+            <a:r>
+              <a:rPr lang="en-IN" dirty="0" smtClean="0"/>
+              <a:t>Stop a container </a:t>
+            </a:r>
+          </a:p>
+          <a:p>
+            <a:pPr>
+              <a:buNone/>
+            </a:pPr>
+            <a:r>
+              <a:rPr lang="en-IN" dirty="0" smtClean="0"/>
+              <a:t>	</a:t>
+            </a:r>
+            <a:r>
+              <a:rPr lang="en-IN" b="1" dirty="0" err="1" smtClean="0"/>
+              <a:t>docker</a:t>
+            </a:r>
+            <a:r>
+              <a:rPr lang="en-IN" b="1" dirty="0" smtClean="0"/>
+              <a:t> stop </a:t>
+            </a:r>
+            <a:r>
+              <a:rPr lang="en-IN" b="1" dirty="0" err="1" smtClean="0"/>
+              <a:t>mydb</a:t>
+            </a:r>
+            <a:r>
+              <a:rPr lang="en-IN" b="1" dirty="0" smtClean="0"/>
+              <a:t> </a:t>
+            </a:r>
+          </a:p>
+          <a:p>
+            <a:r>
+              <a:rPr lang="en-IN" dirty="0" smtClean="0"/>
+              <a:t>Add metadata to container </a:t>
+            </a:r>
+          </a:p>
+          <a:p>
+            <a:pPr>
+              <a:buNone/>
+            </a:pPr>
+            <a:r>
+              <a:rPr lang="en-IN" dirty="0" smtClean="0"/>
+              <a:t>	</a:t>
+            </a:r>
+            <a:r>
+              <a:rPr lang="en-IN" b="1" dirty="0" err="1" smtClean="0"/>
+              <a:t>docker</a:t>
+            </a:r>
+            <a:r>
+              <a:rPr lang="en-IN" b="1" dirty="0" smtClean="0"/>
+              <a:t> run -d \ label=</a:t>
+            </a:r>
+            <a:r>
+              <a:rPr lang="en-IN" b="1" dirty="0" err="1" smtClean="0"/>
+              <a:t>traefik.backend</a:t>
+            </a:r>
+            <a:r>
+              <a:rPr lang="en-IN" b="1" dirty="0" smtClean="0"/>
+              <a:t>=</a:t>
+            </a:r>
+            <a:r>
+              <a:rPr lang="en-IN" b="1" dirty="0" err="1" smtClean="0"/>
+              <a:t>jenkins</a:t>
+            </a:r>
+            <a:r>
+              <a:rPr lang="en-IN" b="1" dirty="0" smtClean="0"/>
+              <a:t> </a:t>
+            </a:r>
+            <a:r>
+              <a:rPr lang="en-IN" b="1" dirty="0" err="1" smtClean="0"/>
+              <a:t>jenkins</a:t>
+            </a:r>
+            <a:endParaRPr lang="en-IN" b="1" dirty="0"/>
           </a:p>
         </p:txBody>
       </p:sp>
@@ -4736,6 +4805,13 @@
   <p:clrMapOvr>
     <a:masterClrMapping/>
   </p:clrMapOvr>
+  <p:timing>
+    <p:tnLst>
+      <p:par>
+        <p:cTn id="1" dur="indefinite" restart="never" nodeType="tmRoot"/>
+      </p:par>
+    </p:tnLst>
+  </p:timing>
 </p:sld>
 </file>
 
@@ -4768,33 +4844,214 @@
         </p:nvSpPr>
         <p:spPr>
           <a:xfrm>
-            <a:off x="395536" y="2780928"/>
+            <a:off x="539552" y="764704"/>
             <a:ext cx="8229600" cy="1066800"/>
           </a:xfrm>
         </p:spPr>
         <p:txBody>
+          <a:bodyPr/>
+          <a:lstStyle/>
+          <a:p>
+            <a:r>
+              <a:rPr lang="en-IN" dirty="0" smtClean="0"/>
+              <a:t>Building Images	</a:t>
+            </a:r>
+            <a:endParaRPr lang="en-IN" dirty="0"/>
+          </a:p>
+        </p:txBody>
+      </p:sp>
+      <p:sp>
+        <p:nvSpPr>
+          <p:cNvPr id="3" name="Content Placeholder 2"/>
+          <p:cNvSpPr>
+            <a:spLocks noGrp="1"/>
+          </p:cNvSpPr>
+          <p:nvPr>
+            <p:ph idx="1"/>
+          </p:nvPr>
+        </p:nvSpPr>
+        <p:spPr>
+          <a:xfrm>
+            <a:off x="457200" y="1772816"/>
+            <a:ext cx="8229600" cy="4801720"/>
+          </a:xfrm>
+        </p:spPr>
+        <p:txBody>
           <a:bodyPr>
-            <a:normAutofit fontScale="90000"/>
+            <a:normAutofit fontScale="92500"/>
           </a:bodyPr>
           <a:lstStyle/>
           <a:p>
             <a:r>
               <a:rPr lang="en-IN" dirty="0" smtClean="0"/>
-              <a:t>Creating </a:t>
-            </a:r>
-            <a:r>
-              <a:rPr lang="en-IN" dirty="0" err="1" smtClean="0"/>
-              <a:t>docker</a:t>
-            </a:r>
-            <a:r>
-              <a:rPr lang="en-IN" dirty="0" smtClean="0"/>
-              <a:t> image from </a:t>
+              <a:t>Build an image from </a:t>
             </a:r>
             <a:r>
               <a:rPr lang="en-IN" dirty="0" err="1" smtClean="0"/>
               <a:t>Dockerfile</a:t>
             </a:r>
-            <a:endParaRPr lang="en-IN" dirty="0"/>
+            <a:r>
+              <a:rPr lang="en-IN" dirty="0" smtClean="0"/>
+              <a:t> in current directory </a:t>
+            </a:r>
+          </a:p>
+          <a:p>
+            <a:pPr>
+              <a:buNone/>
+            </a:pPr>
+            <a:r>
+              <a:rPr lang="en-IN" dirty="0" smtClean="0"/>
+              <a:t>	</a:t>
+            </a:r>
+            <a:r>
+              <a:rPr lang="en-IN" b="1" dirty="0" err="1" smtClean="0"/>
+              <a:t>docker</a:t>
+            </a:r>
+            <a:r>
+              <a:rPr lang="en-IN" b="1" dirty="0" smtClean="0"/>
+              <a:t> build --tag </a:t>
+            </a:r>
+            <a:r>
+              <a:rPr lang="en-IN" b="1" dirty="0" err="1" smtClean="0"/>
+              <a:t>myimage</a:t>
+            </a:r>
+            <a:r>
+              <a:rPr lang="en-IN" b="1" dirty="0" smtClean="0"/>
+              <a:t> . </a:t>
+            </a:r>
+          </a:p>
+          <a:p>
+            <a:r>
+              <a:rPr lang="en-IN" dirty="0" smtClean="0"/>
+              <a:t>Manage Containers List running containers  </a:t>
+            </a:r>
+          </a:p>
+          <a:p>
+            <a:pPr>
+              <a:buNone/>
+            </a:pPr>
+            <a:r>
+              <a:rPr lang="en-IN" dirty="0" smtClean="0"/>
+              <a:t>	</a:t>
+            </a:r>
+            <a:r>
+              <a:rPr lang="en-IN" b="1" dirty="0" err="1" smtClean="0"/>
+              <a:t>docker</a:t>
+            </a:r>
+            <a:r>
+              <a:rPr lang="en-IN" b="1" dirty="0" smtClean="0"/>
+              <a:t> </a:t>
+            </a:r>
+            <a:r>
+              <a:rPr lang="en-IN" b="1" dirty="0" err="1" smtClean="0"/>
+              <a:t>ps</a:t>
+            </a:r>
+            <a:r>
+              <a:rPr lang="en-IN" b="1" dirty="0" smtClean="0"/>
+              <a:t> </a:t>
+            </a:r>
+          </a:p>
+          <a:p>
+            <a:r>
+              <a:rPr lang="en-IN" dirty="0" smtClean="0"/>
+              <a:t>Force rebuild of </a:t>
+            </a:r>
+            <a:r>
+              <a:rPr lang="en-IN" dirty="0" err="1" smtClean="0"/>
+              <a:t>Docker</a:t>
+            </a:r>
+            <a:r>
+              <a:rPr lang="en-IN" dirty="0" smtClean="0"/>
+              <a:t> image </a:t>
+            </a:r>
+          </a:p>
+          <a:p>
+            <a:pPr>
+              <a:buNone/>
+            </a:pPr>
+            <a:r>
+              <a:rPr lang="en-IN" dirty="0" smtClean="0"/>
+              <a:t>	</a:t>
+            </a:r>
+            <a:r>
+              <a:rPr lang="en-IN" b="1" dirty="0" err="1" smtClean="0"/>
+              <a:t>docker</a:t>
+            </a:r>
+            <a:r>
+              <a:rPr lang="en-IN" b="1" dirty="0" smtClean="0"/>
+              <a:t> build --no-cache . </a:t>
+            </a:r>
+          </a:p>
+          <a:p>
+            <a:r>
+              <a:rPr lang="en-IN" dirty="0" smtClean="0"/>
+              <a:t>Convert a container to image </a:t>
+            </a:r>
+          </a:p>
+          <a:p>
+            <a:pPr>
+              <a:buNone/>
+            </a:pPr>
+            <a:r>
+              <a:rPr lang="en-IN" dirty="0" smtClean="0"/>
+              <a:t>	</a:t>
+            </a:r>
+            <a:r>
+              <a:rPr lang="en-IN" b="1" dirty="0" err="1" smtClean="0"/>
+              <a:t>docker</a:t>
+            </a:r>
+            <a:r>
+              <a:rPr lang="en-IN" b="1" dirty="0" smtClean="0"/>
+              <a:t> commit c7337 </a:t>
+            </a:r>
+            <a:r>
+              <a:rPr lang="en-IN" b="1" dirty="0" err="1" smtClean="0"/>
+              <a:t>myimage</a:t>
+            </a:r>
+            <a:r>
+              <a:rPr lang="en-IN" b="1" dirty="0" smtClean="0"/>
+              <a:t> </a:t>
+            </a:r>
+          </a:p>
+          <a:p>
+            <a:r>
+              <a:rPr lang="en-IN" dirty="0" smtClean="0"/>
+              <a:t>Remove all unused images</a:t>
+            </a:r>
+          </a:p>
+          <a:p>
+            <a:pPr>
+              <a:buNone/>
+            </a:pPr>
+            <a:r>
+              <a:rPr lang="en-IN" dirty="0" smtClean="0"/>
+              <a:t>	</a:t>
+            </a:r>
+            <a:r>
+              <a:rPr lang="en-IN" b="1" dirty="0" err="1" smtClean="0"/>
+              <a:t>docker</a:t>
+            </a:r>
+            <a:r>
+              <a:rPr lang="en-IN" b="1" dirty="0" smtClean="0"/>
+              <a:t> </a:t>
+            </a:r>
+            <a:r>
+              <a:rPr lang="en-IN" b="1" dirty="0" err="1" smtClean="0"/>
+              <a:t>rmi</a:t>
+            </a:r>
+            <a:r>
+              <a:rPr lang="en-IN" b="1" dirty="0" smtClean="0"/>
+              <a:t> $(</a:t>
+            </a:r>
+            <a:r>
+              <a:rPr lang="en-IN" b="1" dirty="0" err="1" smtClean="0"/>
+              <a:t>docker</a:t>
+            </a:r>
+            <a:r>
+              <a:rPr lang="en-IN" b="1" dirty="0" smtClean="0"/>
+              <a:t> images \ -q -f "dangling=true"</a:t>
+            </a:r>
+            <a:endParaRPr lang="en-IN" b="1" dirty="0"/>
           </a:p>
         </p:txBody>
       </p:sp>
@@ -4803,6 +5060,13 @@
   <p:clrMapOvr>
     <a:masterClrMapping/>
   </p:clrMapOvr>
+  <p:timing>
+    <p:tnLst>
+      <p:par>
+        <p:cTn id="1" dur="indefinite" restart="never" nodeType="tmRoot"/>
+      </p:par>
+    </p:tnLst>
+  </p:timing>
 </p:sld>
 </file>
 
@@ -4833,25 +5097,226 @@
             <p:ph type="title"/>
           </p:nvPr>
         </p:nvSpPr>
-        <p:spPr>
-          <a:xfrm>
-            <a:off x="2339752" y="2780928"/>
-            <a:ext cx="4593704" cy="1066800"/>
-          </a:xfrm>
-        </p:spPr>
+        <p:spPr/>
         <p:txBody>
           <a:bodyPr/>
           <a:lstStyle/>
           <a:p>
             <a:r>
-              <a:rPr lang="en-IN" dirty="0" err="1" smtClean="0"/>
-              <a:t>Docker</a:t>
-            </a:r>
-            <a:r>
-              <a:rPr lang="en-IN" dirty="0" smtClean="0"/>
-              <a:t> commands</a:t>
+              <a:rPr lang="en-IN" dirty="0" smtClean="0"/>
+              <a:t>Manage Containers	</a:t>
             </a:r>
             <a:endParaRPr lang="en-IN" dirty="0"/>
+          </a:p>
+        </p:txBody>
+      </p:sp>
+      <p:sp>
+        <p:nvSpPr>
+          <p:cNvPr id="3" name="Content Placeholder 2"/>
+          <p:cNvSpPr>
+            <a:spLocks noGrp="1"/>
+          </p:cNvSpPr>
+          <p:nvPr>
+            <p:ph idx="1"/>
+          </p:nvPr>
+        </p:nvSpPr>
+        <p:spPr/>
+        <p:txBody>
+          <a:bodyPr>
+            <a:normAutofit fontScale="85000" lnSpcReduction="20000"/>
+          </a:bodyPr>
+          <a:lstStyle/>
+          <a:p>
+            <a:r>
+              <a:rPr lang="en-IN" dirty="0" smtClean="0"/>
+              <a:t>List running containers</a:t>
+            </a:r>
+          </a:p>
+          <a:p>
+            <a:pPr>
+              <a:buNone/>
+            </a:pPr>
+            <a:r>
+              <a:rPr lang="en-IN" b="1" dirty="0" smtClean="0"/>
+              <a:t>	</a:t>
+            </a:r>
+            <a:r>
+              <a:rPr lang="en-IN" b="1" dirty="0" err="1" smtClean="0"/>
+              <a:t>docker</a:t>
+            </a:r>
+            <a:r>
+              <a:rPr lang="en-IN" b="1" dirty="0" smtClean="0"/>
+              <a:t> </a:t>
+            </a:r>
+            <a:r>
+              <a:rPr lang="en-IN" b="1" dirty="0" err="1" smtClean="0"/>
+              <a:t>ps</a:t>
+            </a:r>
+            <a:endParaRPr lang="en-IN" b="1" dirty="0" smtClean="0"/>
+          </a:p>
+          <a:p>
+            <a:r>
+              <a:rPr lang="en-IN" dirty="0" smtClean="0"/>
+              <a:t>List all containers ( running &amp; stopped )</a:t>
+            </a:r>
+          </a:p>
+          <a:p>
+            <a:pPr>
+              <a:buNone/>
+            </a:pPr>
+            <a:r>
+              <a:rPr lang="en-IN" dirty="0" smtClean="0"/>
+              <a:t>	</a:t>
+            </a:r>
+            <a:r>
+              <a:rPr lang="en-IN" b="1" dirty="0" err="1" smtClean="0"/>
+              <a:t>docker</a:t>
+            </a:r>
+            <a:r>
+              <a:rPr lang="en-IN" b="1" dirty="0" smtClean="0"/>
+              <a:t> </a:t>
+            </a:r>
+            <a:r>
+              <a:rPr lang="en-IN" b="1" dirty="0" err="1" smtClean="0"/>
+              <a:t>ps</a:t>
+            </a:r>
+            <a:r>
+              <a:rPr lang="en-IN" b="1" dirty="0" smtClean="0"/>
+              <a:t> –a</a:t>
+            </a:r>
+          </a:p>
+          <a:p>
+            <a:r>
+              <a:rPr lang="en-IN" dirty="0" smtClean="0"/>
+              <a:t>Inspect containers metadata</a:t>
+            </a:r>
+          </a:p>
+          <a:p>
+            <a:pPr>
+              <a:buNone/>
+            </a:pPr>
+            <a:r>
+              <a:rPr lang="en-IN" dirty="0" smtClean="0"/>
+              <a:t> </a:t>
+            </a:r>
+            <a:r>
+              <a:rPr lang="en-IN" b="1" dirty="0" smtClean="0"/>
+              <a:t>  </a:t>
+            </a:r>
+            <a:r>
+              <a:rPr lang="en-IN" b="1" dirty="0" err="1" smtClean="0"/>
+              <a:t>docker</a:t>
+            </a:r>
+            <a:r>
+              <a:rPr lang="en-IN" b="1" dirty="0" smtClean="0"/>
+              <a:t> inspect c7337</a:t>
+            </a:r>
+          </a:p>
+          <a:p>
+            <a:r>
+              <a:rPr lang="en-IN" dirty="0" smtClean="0"/>
+              <a:t>List locally available images</a:t>
+            </a:r>
+          </a:p>
+          <a:p>
+            <a:pPr>
+              <a:buNone/>
+            </a:pPr>
+            <a:r>
+              <a:rPr lang="en-IN" dirty="0" smtClean="0"/>
+              <a:t>	</a:t>
+            </a:r>
+            <a:r>
+              <a:rPr lang="en-IN" b="1" dirty="0" err="1" smtClean="0"/>
+              <a:t>docker</a:t>
+            </a:r>
+            <a:r>
+              <a:rPr lang="en-IN" b="1" dirty="0" smtClean="0"/>
+              <a:t> images</a:t>
+            </a:r>
+          </a:p>
+          <a:p>
+            <a:r>
+              <a:rPr lang="en-IN" dirty="0" smtClean="0"/>
+              <a:t>Delete all stopped containers</a:t>
+            </a:r>
+          </a:p>
+          <a:p>
+            <a:pPr>
+              <a:buNone/>
+            </a:pPr>
+            <a:r>
+              <a:rPr lang="en-IN" dirty="0" smtClean="0"/>
+              <a:t>	</a:t>
+            </a:r>
+            <a:r>
+              <a:rPr lang="en-IN" b="1" dirty="0" err="1" smtClean="0"/>
+              <a:t>docker</a:t>
+            </a:r>
+            <a:r>
+              <a:rPr lang="en-IN" b="1" dirty="0" smtClean="0"/>
+              <a:t> </a:t>
+            </a:r>
+            <a:r>
+              <a:rPr lang="en-IN" b="1" dirty="0" err="1" smtClean="0"/>
+              <a:t>rm</a:t>
+            </a:r>
+            <a:r>
+              <a:rPr lang="en-IN" b="1" dirty="0" smtClean="0"/>
+              <a:t> $(</a:t>
+            </a:r>
+            <a:r>
+              <a:rPr lang="en-IN" b="1" dirty="0" err="1" smtClean="0"/>
+              <a:t>doker</a:t>
+            </a:r>
+            <a:r>
+              <a:rPr lang="en-IN" b="1" dirty="0" smtClean="0"/>
+              <a:t> </a:t>
+            </a:r>
+            <a:r>
+              <a:rPr lang="en-IN" b="1" dirty="0" err="1" smtClean="0"/>
+              <a:t>ps</a:t>
+            </a:r>
+            <a:r>
+              <a:rPr lang="en-IN" b="1" dirty="0" smtClean="0"/>
+              <a:t> –filter status=exited –q )</a:t>
+            </a:r>
+          </a:p>
+          <a:p>
+            <a:r>
+              <a:rPr lang="en-IN" dirty="0" smtClean="0"/>
+              <a:t>List all containers with a specific label</a:t>
+            </a:r>
+          </a:p>
+          <a:p>
+            <a:pPr>
+              <a:buNone/>
+            </a:pPr>
+            <a:r>
+              <a:rPr lang="en-IN" dirty="0" smtClean="0"/>
+              <a:t>	</a:t>
+            </a:r>
+            <a:r>
+              <a:rPr lang="en-IN" b="1" dirty="0" err="1" smtClean="0"/>
+              <a:t>docker</a:t>
+            </a:r>
+            <a:r>
+              <a:rPr lang="en-IN" b="1" dirty="0" smtClean="0"/>
+              <a:t> </a:t>
+            </a:r>
+            <a:r>
+              <a:rPr lang="en-IN" b="1" dirty="0" err="1" smtClean="0"/>
+              <a:t>ps</a:t>
+            </a:r>
+            <a:r>
+              <a:rPr lang="en-IN" b="1" dirty="0" smtClean="0"/>
+              <a:t> –filter label=</a:t>
+            </a:r>
+            <a:r>
+              <a:rPr lang="en-IN" b="1" dirty="0" err="1" smtClean="0"/>
+              <a:t>demoproject</a:t>
+            </a:r>
+            <a:endParaRPr lang="en-IN" b="1" dirty="0"/>
           </a:p>
         </p:txBody>
       </p:sp>
@@ -4860,6 +5325,13 @@
   <p:clrMapOvr>
     <a:masterClrMapping/>
   </p:clrMapOvr>
+  <p:timing>
+    <p:tnLst>
+      <p:par>
+        <p:cTn id="1" dur="indefinite" restart="never" nodeType="tmRoot"/>
+      </p:par>
+    </p:tnLst>
+  </p:timing>
 </p:sld>
 </file>
 
@@ -4890,10 +5362,33 @@
             <p:ph type="title"/>
           </p:nvPr>
         </p:nvSpPr>
+        <p:spPr/>
+        <p:txBody>
+          <a:bodyPr/>
+          <a:lstStyle/>
+          <a:p>
+            <a:r>
+              <a:rPr lang="en-IN" dirty="0" smtClean="0"/>
+              <a:t>Debug commands</a:t>
+            </a:r>
+            <a:endParaRPr lang="en-IN" dirty="0"/>
+          </a:p>
+        </p:txBody>
+      </p:sp>
+      <p:sp>
+        <p:nvSpPr>
+          <p:cNvPr id="3" name="Content Placeholder 2"/>
+          <p:cNvSpPr>
+            <a:spLocks noGrp="1"/>
+          </p:cNvSpPr>
+          <p:nvPr>
+            <p:ph idx="1"/>
+          </p:nvPr>
+        </p:nvSpPr>
         <p:spPr>
           <a:xfrm>
-            <a:off x="395536" y="548680"/>
-            <a:ext cx="8229600" cy="850776"/>
+            <a:off x="457200" y="2249424"/>
+            <a:ext cx="8229600" cy="3339816"/>
           </a:xfrm>
         </p:spPr>
         <p:txBody>
@@ -4902,37 +5397,7 @@
           <a:p>
             <a:r>
               <a:rPr lang="en-IN" dirty="0" smtClean="0"/>
-              <a:t>General Usage	</a:t>
-            </a:r>
-            <a:endParaRPr lang="en-IN" dirty="0"/>
-          </a:p>
-        </p:txBody>
-      </p:sp>
-      <p:sp>
-        <p:nvSpPr>
-          <p:cNvPr id="3" name="Content Placeholder 2"/>
-          <p:cNvSpPr>
-            <a:spLocks noGrp="1"/>
-          </p:cNvSpPr>
-          <p:nvPr>
-            <p:ph idx="1"/>
-          </p:nvPr>
-        </p:nvSpPr>
-        <p:spPr>
-          <a:xfrm>
-            <a:off x="539552" y="1340768"/>
-            <a:ext cx="8229600" cy="5517232"/>
-          </a:xfrm>
-        </p:spPr>
-        <p:txBody>
-          <a:bodyPr>
-            <a:normAutofit fontScale="85000" lnSpcReduction="20000"/>
-          </a:bodyPr>
-          <a:lstStyle/>
-          <a:p>
-            <a:r>
-              <a:rPr lang="en-IN" dirty="0" smtClean="0"/>
-              <a:t>Start a container in background </a:t>
+              <a:t>Run another process in running container  </a:t>
             </a:r>
           </a:p>
           <a:p>
@@ -4940,7 +5405,7 @@
               <a:buNone/>
             </a:pPr>
             <a:r>
-              <a:rPr lang="en-IN" b="1" dirty="0" smtClean="0"/>
+              <a:rPr lang="en-IN" dirty="0" smtClean="0"/>
               <a:t>	</a:t>
             </a:r>
             <a:r>
@@ -4949,30 +5414,13 @@
             </a:r>
             <a:r>
               <a:rPr lang="en-IN" b="1" dirty="0" smtClean="0"/>
-              <a:t> </a:t>
-            </a:r>
-            <a:r>
-              <a:rPr lang="en-IN" b="1" dirty="0" smtClean="0"/>
-              <a:t>run -d </a:t>
-            </a:r>
-            <a:r>
-              <a:rPr lang="en-IN" b="1" dirty="0" err="1" smtClean="0"/>
-              <a:t>jenkins</a:t>
-            </a:r>
-            <a:r>
-              <a:rPr lang="en-IN" b="1" dirty="0" smtClean="0"/>
-              <a:t> </a:t>
-            </a:r>
-            <a:endParaRPr lang="en-IN" b="1" dirty="0" smtClean="0"/>
-          </a:p>
-          <a:p>
-            <a:r>
-              <a:rPr lang="en-IN" dirty="0" smtClean="0"/>
-              <a:t>Start </a:t>
-            </a:r>
-            <a:r>
-              <a:rPr lang="en-IN" dirty="0" smtClean="0"/>
-              <a:t>an interactive container </a:t>
+              <a:t> exec -it c7337 bash </a:t>
+            </a:r>
+          </a:p>
+          <a:p>
+            <a:r>
+              <a:rPr lang="en-IN" dirty="0" smtClean="0"/>
+              <a:t>Show live logs of running daemon container</a:t>
             </a:r>
           </a:p>
           <a:p>
@@ -4980,7 +5428,7 @@
               <a:buNone/>
             </a:pPr>
             <a:r>
-              <a:rPr lang="en-IN" b="1" dirty="0" smtClean="0"/>
+              <a:rPr lang="en-IN" dirty="0" smtClean="0"/>
               <a:t>	</a:t>
             </a:r>
             <a:r>
@@ -4989,30 +5437,13 @@
             </a:r>
             <a:r>
               <a:rPr lang="en-IN" b="1" dirty="0" smtClean="0"/>
-              <a:t> </a:t>
-            </a:r>
-            <a:r>
-              <a:rPr lang="en-IN" b="1" dirty="0" smtClean="0"/>
-              <a:t>run -it </a:t>
-            </a:r>
-            <a:r>
-              <a:rPr lang="en-IN" b="1" dirty="0" err="1" smtClean="0"/>
-              <a:t>ubuntu</a:t>
-            </a:r>
-            <a:r>
-              <a:rPr lang="en-IN" b="1" dirty="0" smtClean="0"/>
-              <a:t> bash </a:t>
-            </a:r>
-            <a:endParaRPr lang="en-IN" b="1" dirty="0" smtClean="0"/>
-          </a:p>
-          <a:p>
-            <a:r>
-              <a:rPr lang="en-IN" dirty="0" smtClean="0"/>
-              <a:t>Export </a:t>
-            </a:r>
-            <a:r>
-              <a:rPr lang="en-IN" dirty="0" smtClean="0"/>
-              <a:t>port from a container </a:t>
+              <a:t> logs -f c7337 </a:t>
+            </a:r>
+          </a:p>
+          <a:p>
+            <a:r>
+              <a:rPr lang="en-IN" dirty="0" smtClean="0"/>
+              <a:t>Show exposed ports of a container</a:t>
             </a:r>
           </a:p>
           <a:p>
@@ -5020,7 +5451,7 @@
               <a:buNone/>
             </a:pPr>
             <a:r>
-              <a:rPr lang="en-IN" b="1" dirty="0" smtClean="0"/>
+              <a:rPr lang="en-IN" dirty="0" smtClean="0"/>
               <a:t>	</a:t>
             </a:r>
             <a:r>
@@ -5029,203 +5460,7 @@
             </a:r>
             <a:r>
               <a:rPr lang="en-IN" b="1" dirty="0" smtClean="0"/>
-              <a:t> </a:t>
-            </a:r>
-            <a:r>
-              <a:rPr lang="en-IN" b="1" dirty="0" smtClean="0"/>
-              <a:t>run -p 80:80 -d </a:t>
-            </a:r>
-            <a:r>
-              <a:rPr lang="en-IN" b="1" dirty="0" err="1" smtClean="0"/>
-              <a:t>nginx</a:t>
-            </a:r>
-            <a:r>
-              <a:rPr lang="en-IN" b="1" dirty="0" smtClean="0"/>
-              <a:t> </a:t>
-            </a:r>
-            <a:endParaRPr lang="en-IN" b="1" dirty="0" smtClean="0"/>
-          </a:p>
-          <a:p>
-            <a:r>
-              <a:rPr lang="en-IN" dirty="0" smtClean="0"/>
-              <a:t>Start </a:t>
-            </a:r>
-            <a:r>
-              <a:rPr lang="en-IN" dirty="0" smtClean="0"/>
-              <a:t>a named container </a:t>
-            </a:r>
-          </a:p>
-          <a:p>
-            <a:pPr>
-              <a:buNone/>
-            </a:pPr>
-            <a:r>
-              <a:rPr lang="en-IN" dirty="0" smtClean="0"/>
-              <a:t>	</a:t>
-            </a:r>
-            <a:r>
-              <a:rPr lang="en-IN" b="1" dirty="0" err="1" smtClean="0"/>
-              <a:t>docker</a:t>
-            </a:r>
-            <a:r>
-              <a:rPr lang="en-IN" b="1" dirty="0" smtClean="0"/>
-              <a:t> </a:t>
-            </a:r>
-            <a:r>
-              <a:rPr lang="en-IN" b="1" dirty="0" smtClean="0"/>
-              <a:t>run --name </a:t>
-            </a:r>
-            <a:r>
-              <a:rPr lang="en-IN" b="1" dirty="0" err="1" smtClean="0"/>
-              <a:t>mydb</a:t>
-            </a:r>
-            <a:r>
-              <a:rPr lang="en-IN" b="1" dirty="0" smtClean="0"/>
-              <a:t> </a:t>
-            </a:r>
-            <a:r>
-              <a:rPr lang="en-IN" b="1" dirty="0" err="1" smtClean="0"/>
-              <a:t>redis</a:t>
-            </a:r>
-            <a:r>
-              <a:rPr lang="en-IN" b="1" dirty="0" smtClean="0"/>
-              <a:t> </a:t>
-            </a:r>
-            <a:endParaRPr lang="en-IN" b="1" dirty="0" smtClean="0"/>
-          </a:p>
-          <a:p>
-            <a:r>
-              <a:rPr lang="en-IN" dirty="0" smtClean="0"/>
-              <a:t>Restart </a:t>
-            </a:r>
-            <a:r>
-              <a:rPr lang="en-IN" dirty="0" smtClean="0"/>
-              <a:t>a stopped container </a:t>
-            </a:r>
-          </a:p>
-          <a:p>
-            <a:pPr>
-              <a:buNone/>
-            </a:pPr>
-            <a:r>
-              <a:rPr lang="en-IN" dirty="0" smtClean="0"/>
-              <a:t>	</a:t>
-            </a:r>
-            <a:r>
-              <a:rPr lang="en-IN" b="1" dirty="0" err="1" smtClean="0"/>
-              <a:t>docker</a:t>
-            </a:r>
-            <a:r>
-              <a:rPr lang="en-IN" b="1" dirty="0" smtClean="0"/>
-              <a:t> </a:t>
-            </a:r>
-            <a:r>
-              <a:rPr lang="en-IN" b="1" dirty="0" smtClean="0"/>
-              <a:t>start </a:t>
-            </a:r>
-            <a:r>
-              <a:rPr lang="en-IN" b="1" dirty="0" err="1" smtClean="0"/>
-              <a:t>mydb</a:t>
-            </a:r>
-            <a:r>
-              <a:rPr lang="en-IN" b="1" dirty="0" smtClean="0"/>
-              <a:t> </a:t>
-            </a:r>
-            <a:endParaRPr lang="en-IN" b="1" dirty="0" smtClean="0"/>
-          </a:p>
-          <a:p>
-            <a:r>
-              <a:rPr lang="en-IN" dirty="0" smtClean="0"/>
-              <a:t>Stop </a:t>
-            </a:r>
-            <a:r>
-              <a:rPr lang="en-IN" dirty="0" smtClean="0"/>
-              <a:t>a container </a:t>
-            </a:r>
-          </a:p>
-          <a:p>
-            <a:pPr>
-              <a:buNone/>
-            </a:pPr>
-            <a:r>
-              <a:rPr lang="en-IN" dirty="0" smtClean="0"/>
-              <a:t>	</a:t>
-            </a:r>
-            <a:r>
-              <a:rPr lang="en-IN" b="1" dirty="0" err="1" smtClean="0"/>
-              <a:t>docker</a:t>
-            </a:r>
-            <a:r>
-              <a:rPr lang="en-IN" b="1" dirty="0" smtClean="0"/>
-              <a:t> </a:t>
-            </a:r>
-            <a:r>
-              <a:rPr lang="en-IN" b="1" dirty="0" smtClean="0"/>
-              <a:t>stop </a:t>
-            </a:r>
-            <a:r>
-              <a:rPr lang="en-IN" b="1" dirty="0" err="1" smtClean="0"/>
-              <a:t>mydb</a:t>
-            </a:r>
-            <a:r>
-              <a:rPr lang="en-IN" b="1" dirty="0" smtClean="0"/>
-              <a:t> </a:t>
-            </a:r>
-            <a:endParaRPr lang="en-IN" b="1" dirty="0" smtClean="0"/>
-          </a:p>
-          <a:p>
-            <a:r>
-              <a:rPr lang="en-IN" dirty="0" smtClean="0"/>
-              <a:t>Add </a:t>
-            </a:r>
-            <a:r>
-              <a:rPr lang="en-IN" dirty="0" smtClean="0"/>
-              <a:t>metadata to container </a:t>
-            </a:r>
-          </a:p>
-          <a:p>
-            <a:pPr>
-              <a:buNone/>
-            </a:pPr>
-            <a:r>
-              <a:rPr lang="en-IN" dirty="0" smtClean="0"/>
-              <a:t>	</a:t>
-            </a:r>
-            <a:r>
-              <a:rPr lang="en-IN" b="1" dirty="0" err="1" smtClean="0"/>
-              <a:t>docker</a:t>
-            </a:r>
-            <a:r>
-              <a:rPr lang="en-IN" b="1" dirty="0" smtClean="0"/>
-              <a:t> </a:t>
-            </a:r>
-            <a:r>
-              <a:rPr lang="en-IN" b="1" dirty="0" smtClean="0"/>
-              <a:t>run -d \ </a:t>
-            </a:r>
-            <a:r>
-              <a:rPr lang="en-IN" b="1" dirty="0" smtClean="0"/>
-              <a:t>label=</a:t>
-            </a:r>
-            <a:r>
-              <a:rPr lang="en-IN" b="1" dirty="0" err="1" smtClean="0"/>
-              <a:t>traefik.backend</a:t>
-            </a:r>
-            <a:r>
-              <a:rPr lang="en-IN" b="1" dirty="0" smtClean="0"/>
-              <a:t>=</a:t>
-            </a:r>
-            <a:r>
-              <a:rPr lang="en-IN" b="1" dirty="0" err="1" smtClean="0"/>
-              <a:t>jenkins</a:t>
-            </a:r>
-            <a:r>
-              <a:rPr lang="en-IN" b="1" dirty="0" smtClean="0"/>
-              <a:t> </a:t>
-            </a:r>
-            <a:r>
-              <a:rPr lang="en-IN" b="1" dirty="0" err="1" smtClean="0"/>
-              <a:t>jenkins</a:t>
+              <a:t> port c7337 </a:t>
             </a:r>
             <a:endParaRPr lang="en-IN" b="1" dirty="0"/>
           </a:p>
@@ -5236,6 +5471,13 @@
   <p:clrMapOvr>
     <a:masterClrMapping/>
   </p:clrMapOvr>
+  <p:timing>
+    <p:tnLst>
+      <p:par>
+        <p:cTn id="1" dur="indefinite" restart="never" nodeType="tmRoot"/>
+      </p:par>
+    </p:tnLst>
+  </p:timing>
 </p:sld>
 </file>
 
@@ -5268,7 +5510,7 @@
         </p:nvSpPr>
         <p:spPr>
           <a:xfrm>
-            <a:off x="539552" y="764704"/>
+            <a:off x="611560" y="1196752"/>
             <a:ext cx="8229600" cy="1066800"/>
           </a:xfrm>
         </p:spPr>
@@ -5278,7 +5520,15 @@
           <a:p>
             <a:r>
               <a:rPr lang="en-IN" dirty="0" smtClean="0"/>
-              <a:t>Building Images	</a:t>
+              <a:t>Stateless and </a:t>
+            </a:r>
+            <a:r>
+              <a:rPr lang="en-IN" dirty="0" err="1" smtClean="0"/>
+              <a:t>Statefull</a:t>
+            </a:r>
+            <a:r>
+              <a:rPr lang="en-IN" dirty="0" smtClean="0"/>
+              <a:t> application</a:t>
             </a:r>
             <a:endParaRPr lang="en-IN" dirty="0"/>
           </a:p>
@@ -5296,27 +5546,52 @@
         </p:nvSpPr>
         <p:spPr>
           <a:xfrm>
-            <a:off x="457200" y="1772816"/>
-            <a:ext cx="8229600" cy="4801720"/>
+            <a:off x="467544" y="2204864"/>
+            <a:ext cx="8229600" cy="3937624"/>
           </a:xfrm>
         </p:spPr>
         <p:txBody>
-          <a:bodyPr>
-            <a:normAutofit fontScale="92500"/>
-          </a:bodyPr>
-          <a:lstStyle/>
-          <a:p>
-            <a:r>
-              <a:rPr lang="en-IN" dirty="0" smtClean="0"/>
-              <a:t>Build an image from </a:t>
+          <a:bodyPr/>
+          <a:lstStyle/>
+          <a:p>
+            <a:r>
+              <a:rPr lang="en-IN" dirty="0" smtClean="0"/>
+              <a:t>Stateless application</a:t>
+            </a:r>
+          </a:p>
+          <a:p>
+            <a:pPr>
+              <a:buNone/>
+            </a:pPr>
+            <a:r>
+              <a:rPr lang="en-IN" dirty="0" smtClean="0"/>
+              <a:t>   </a:t>
             </a:r>
             <a:r>
               <a:rPr lang="en-IN" dirty="0" err="1" smtClean="0"/>
-              <a:t>Dockerfile</a:t>
-            </a:r>
-            <a:r>
-              <a:rPr lang="en-IN" dirty="0" smtClean="0"/>
-              <a:t> in current directory </a:t>
+              <a:t>e.g</a:t>
+            </a:r>
+            <a:r>
+              <a:rPr lang="en-IN" dirty="0" smtClean="0"/>
+              <a:t>: spring boot application, </a:t>
+            </a:r>
+            <a:r>
+              <a:rPr lang="en-IN" dirty="0" err="1" smtClean="0"/>
+              <a:t>nodejs</a:t>
+            </a:r>
+            <a:r>
+              <a:rPr lang="en-IN" dirty="0" smtClean="0"/>
+              <a:t> app</a:t>
+            </a:r>
+          </a:p>
+          <a:p>
+            <a:r>
+              <a:rPr lang="en-IN" dirty="0" err="1" smtClean="0"/>
+              <a:t>Statefull</a:t>
+            </a:r>
+            <a:r>
+              <a:rPr lang="en-IN" dirty="0" smtClean="0"/>
+              <a:t> application</a:t>
             </a:r>
           </a:p>
           <a:p>
@@ -5328,191 +5603,14 @@
               <a:t>	</a:t>
             </a:r>
             <a:r>
-              <a:rPr lang="en-IN" b="1" dirty="0" err="1" smtClean="0"/>
-              <a:t>docker</a:t>
-            </a:r>
-            <a:r>
-              <a:rPr lang="en-IN" b="1" dirty="0" smtClean="0"/>
-              <a:t> </a:t>
-            </a:r>
-            <a:r>
-              <a:rPr lang="en-IN" b="1" dirty="0" smtClean="0"/>
-              <a:t>build --tag </a:t>
-            </a:r>
-            <a:r>
-              <a:rPr lang="en-IN" b="1" dirty="0" err="1" smtClean="0"/>
-              <a:t>myimage</a:t>
-            </a:r>
-            <a:r>
-              <a:rPr lang="en-IN" b="1" dirty="0" smtClean="0"/>
-              <a:t> . </a:t>
-            </a:r>
-            <a:endParaRPr lang="en-IN" b="1" dirty="0" smtClean="0"/>
-          </a:p>
-          <a:p>
-            <a:r>
-              <a:rPr lang="en-IN" dirty="0" smtClean="0"/>
-              <a:t>Manage </a:t>
-            </a:r>
-            <a:r>
-              <a:rPr lang="en-IN" dirty="0" smtClean="0"/>
-              <a:t>Containers List running containers </a:t>
-            </a:r>
-            <a:r>
-              <a:rPr lang="en-IN" dirty="0" smtClean="0"/>
-              <a:t> </a:t>
-            </a:r>
-          </a:p>
-          <a:p>
-            <a:pPr>
-              <a:buNone/>
-            </a:pPr>
-            <a:r>
-              <a:rPr lang="en-IN" dirty="0" smtClean="0"/>
-              <a:t>	</a:t>
-            </a:r>
-            <a:r>
-              <a:rPr lang="en-IN" b="1" dirty="0" err="1" smtClean="0"/>
-              <a:t>docker</a:t>
-            </a:r>
-            <a:r>
-              <a:rPr lang="en-IN" b="1" dirty="0" smtClean="0"/>
-              <a:t> </a:t>
-            </a:r>
-            <a:r>
-              <a:rPr lang="en-IN" b="1" dirty="0" err="1" smtClean="0"/>
-              <a:t>ps</a:t>
-            </a:r>
-            <a:r>
-              <a:rPr lang="en-IN" b="1" dirty="0" smtClean="0"/>
-              <a:t> </a:t>
-            </a:r>
-            <a:endParaRPr lang="en-IN" b="1" dirty="0" smtClean="0"/>
-          </a:p>
-          <a:p>
-            <a:r>
-              <a:rPr lang="en-IN" dirty="0" smtClean="0"/>
-              <a:t>Force </a:t>
-            </a:r>
-            <a:r>
-              <a:rPr lang="en-IN" dirty="0" smtClean="0"/>
-              <a:t>rebuild of </a:t>
-            </a:r>
-            <a:r>
               <a:rPr lang="en-IN" dirty="0" err="1" smtClean="0"/>
-              <a:t>Docker</a:t>
-            </a:r>
-            <a:r>
-              <a:rPr lang="en-IN" dirty="0" smtClean="0"/>
-              <a:t> image </a:t>
-            </a:r>
-          </a:p>
-          <a:p>
-            <a:pPr>
-              <a:buNone/>
-            </a:pPr>
-            <a:r>
-              <a:rPr lang="en-IN" dirty="0" smtClean="0"/>
-              <a:t>	</a:t>
-            </a:r>
-            <a:r>
-              <a:rPr lang="en-IN" b="1" dirty="0" err="1" smtClean="0"/>
-              <a:t>docker</a:t>
-            </a:r>
-            <a:r>
-              <a:rPr lang="en-IN" b="1" dirty="0" smtClean="0"/>
-              <a:t> </a:t>
-            </a:r>
-            <a:r>
-              <a:rPr lang="en-IN" b="1" dirty="0" smtClean="0"/>
-              <a:t>build --no-cache . </a:t>
-            </a:r>
-            <a:endParaRPr lang="en-IN" b="1" dirty="0" smtClean="0"/>
-          </a:p>
-          <a:p>
-            <a:r>
-              <a:rPr lang="en-IN" dirty="0" smtClean="0"/>
-              <a:t>Convert </a:t>
-            </a:r>
-            <a:r>
-              <a:rPr lang="en-IN" dirty="0" smtClean="0"/>
-              <a:t>a container to image </a:t>
-            </a:r>
-            <a:endParaRPr lang="en-IN" dirty="0" smtClean="0"/>
-          </a:p>
-          <a:p>
-            <a:pPr>
-              <a:buNone/>
-            </a:pPr>
-            <a:r>
-              <a:rPr lang="en-IN" dirty="0" smtClean="0"/>
-              <a:t>	</a:t>
-            </a:r>
-            <a:r>
-              <a:rPr lang="en-IN" b="1" dirty="0" err="1" smtClean="0"/>
-              <a:t>docker</a:t>
-            </a:r>
-            <a:r>
-              <a:rPr lang="en-IN" b="1" dirty="0" smtClean="0"/>
-              <a:t> </a:t>
-            </a:r>
-            <a:r>
-              <a:rPr lang="en-IN" b="1" dirty="0" smtClean="0"/>
-              <a:t>commit c7337 </a:t>
-            </a:r>
-            <a:r>
-              <a:rPr lang="en-IN" b="1" dirty="0" err="1" smtClean="0"/>
-              <a:t>myimage</a:t>
-            </a:r>
-            <a:r>
-              <a:rPr lang="en-IN" b="1" dirty="0" smtClean="0"/>
-              <a:t> </a:t>
-            </a:r>
-            <a:endParaRPr lang="en-IN" b="1" dirty="0" smtClean="0"/>
-          </a:p>
-          <a:p>
-            <a:r>
-              <a:rPr lang="en-IN" dirty="0" smtClean="0"/>
-              <a:t>Remove all unused </a:t>
-            </a:r>
-            <a:r>
-              <a:rPr lang="en-IN" dirty="0" smtClean="0"/>
-              <a:t>images</a:t>
-            </a:r>
-          </a:p>
-          <a:p>
-            <a:pPr>
-              <a:buNone/>
-            </a:pPr>
-            <a:r>
-              <a:rPr lang="en-IN" dirty="0" smtClean="0"/>
-              <a:t>	</a:t>
-            </a:r>
-            <a:r>
-              <a:rPr lang="en-IN" b="1" dirty="0" err="1" smtClean="0"/>
-              <a:t>docker</a:t>
-            </a:r>
-            <a:r>
-              <a:rPr lang="en-IN" b="1" dirty="0" smtClean="0"/>
-              <a:t> </a:t>
-            </a:r>
-            <a:r>
-              <a:rPr lang="en-IN" b="1" dirty="0" err="1" smtClean="0"/>
-              <a:t>rmi</a:t>
-            </a:r>
-            <a:r>
-              <a:rPr lang="en-IN" b="1" dirty="0" smtClean="0"/>
-              <a:t> $(</a:t>
-            </a:r>
-            <a:r>
-              <a:rPr lang="en-IN" b="1" dirty="0" err="1" smtClean="0"/>
-              <a:t>docker</a:t>
-            </a:r>
-            <a:r>
-              <a:rPr lang="en-IN" b="1" dirty="0" smtClean="0"/>
-              <a:t> images \ -q -f "dangling=true"</a:t>
-            </a:r>
-            <a:endParaRPr lang="en-IN" b="1" dirty="0"/>
+              <a:t>e.g</a:t>
+            </a:r>
+            <a:r>
+              <a:rPr lang="en-IN" dirty="0" smtClean="0"/>
+              <a:t>: All databases</a:t>
+            </a:r>
+            <a:endParaRPr lang="en-IN" dirty="0"/>
           </a:p>
         </p:txBody>
       </p:sp>
@@ -5521,6 +5619,13 @@
   <p:clrMapOvr>
     <a:masterClrMapping/>
   </p:clrMapOvr>
+  <p:timing>
+    <p:tnLst>
+      <p:par>
+        <p:cTn id="1" dur="indefinite" restart="never" nodeType="tmRoot"/>
+      </p:par>
+    </p:tnLst>
+  </p:timing>
 </p:sld>
 </file>
 
@@ -5558,7 +5663,7 @@
           <a:p>
             <a:r>
               <a:rPr lang="en-IN" dirty="0" smtClean="0"/>
-              <a:t>Debug commands</a:t>
+              <a:t>Volumes		</a:t>
             </a:r>
             <a:endParaRPr lang="en-IN" dirty="0"/>
           </a:p>
@@ -5574,23 +5679,14 @@
             <p:ph idx="1"/>
           </p:nvPr>
         </p:nvSpPr>
-        <p:spPr>
-          <a:xfrm>
-            <a:off x="457200" y="2249424"/>
-            <a:ext cx="8229600" cy="3339816"/>
-          </a:xfrm>
-        </p:spPr>
+        <p:spPr/>
         <p:txBody>
           <a:bodyPr/>
           <a:lstStyle/>
           <a:p>
             <a:r>
               <a:rPr lang="en-IN" dirty="0" smtClean="0"/>
-              <a:t>Run another process in running container </a:t>
-            </a:r>
-            <a:r>
-              <a:rPr lang="en-IN" dirty="0" smtClean="0"/>
-              <a:t> </a:t>
+              <a:t>Create a local volume </a:t>
             </a:r>
           </a:p>
           <a:p>
@@ -5607,26 +5703,21 @@
             </a:r>
             <a:r>
               <a:rPr lang="en-IN" b="1" dirty="0" smtClean="0"/>
+              <a:t> volume create --name </a:t>
+            </a:r>
+            <a:r>
+              <a:rPr lang="en-IN" b="1" dirty="0" err="1" smtClean="0"/>
+              <a:t>myvol</a:t>
+            </a:r>
+            <a:r>
+              <a:rPr lang="en-IN" b="1" dirty="0" smtClean="0"/>
               <a:t> </a:t>
             </a:r>
-            <a:r>
-              <a:rPr lang="en-IN" b="1" dirty="0" smtClean="0"/>
-              <a:t>exec -it c7337 bash </a:t>
-            </a:r>
-            <a:endParaRPr lang="en-IN" b="1" dirty="0" smtClean="0"/>
-          </a:p>
-          <a:p>
-            <a:r>
-              <a:rPr lang="en-IN" dirty="0" smtClean="0"/>
-              <a:t>Show </a:t>
-            </a:r>
-            <a:r>
-              <a:rPr lang="en-IN" dirty="0" smtClean="0"/>
-              <a:t>live logs of running daemon </a:t>
-            </a:r>
-            <a:r>
-              <a:rPr lang="en-IN" dirty="0" smtClean="0"/>
-              <a:t>container</a:t>
+          </a:p>
+          <a:p>
+            <a:r>
+              <a:rPr lang="en-IN" dirty="0" smtClean="0"/>
+              <a:t>Mounting a volume on container start </a:t>
             </a:r>
           </a:p>
           <a:p>
@@ -5643,26 +5734,29 @@
             </a:r>
             <a:r>
               <a:rPr lang="en-IN" b="1" dirty="0" smtClean="0"/>
+              <a:t> run -v </a:t>
+            </a:r>
+            <a:r>
+              <a:rPr lang="en-IN" b="1" dirty="0" err="1" smtClean="0"/>
+              <a:t>myvol</a:t>
+            </a:r>
+            <a:r>
+              <a:rPr lang="en-IN" b="1" dirty="0" smtClean="0"/>
+              <a:t>:/data </a:t>
+            </a:r>
+            <a:r>
+              <a:rPr lang="en-IN" b="1" dirty="0" err="1" smtClean="0"/>
+              <a:t>redis</a:t>
+            </a:r>
+            <a:r>
+              <a:rPr lang="en-IN" b="1" dirty="0" smtClean="0"/>
               <a:t> </a:t>
             </a:r>
-            <a:r>
-              <a:rPr lang="en-IN" b="1" dirty="0" smtClean="0"/>
-              <a:t>logs -f c7337 </a:t>
-            </a:r>
-            <a:endParaRPr lang="en-IN" b="1" dirty="0" smtClean="0"/>
-          </a:p>
-          <a:p>
-            <a:r>
-              <a:rPr lang="en-IN" dirty="0" smtClean="0"/>
-              <a:t>Show </a:t>
-            </a:r>
-            <a:r>
-              <a:rPr lang="en-IN" dirty="0" smtClean="0"/>
-              <a:t>exposed ports of a </a:t>
-            </a:r>
-            <a:r>
-              <a:rPr lang="en-IN" dirty="0" smtClean="0"/>
-              <a:t>container</a:t>
+          </a:p>
+          <a:p>
+            <a:r>
+              <a:rPr lang="en-IN" dirty="0" smtClean="0"/>
+              <a:t>Destroy a volume </a:t>
             </a:r>
           </a:p>
           <a:p>
@@ -5679,11 +5773,50 @@
             </a:r>
             <a:r>
               <a:rPr lang="en-IN" b="1" dirty="0" smtClean="0"/>
+              <a:t> volume </a:t>
+            </a:r>
+            <a:r>
+              <a:rPr lang="en-IN" b="1" dirty="0" err="1" smtClean="0"/>
+              <a:t>rm</a:t>
+            </a:r>
+            <a:r>
+              <a:rPr lang="en-IN" b="1" dirty="0" smtClean="0"/>
               <a:t> </a:t>
             </a:r>
             <a:r>
+              <a:rPr lang="en-IN" b="1" dirty="0" err="1" smtClean="0"/>
+              <a:t>myvol</a:t>
+            </a:r>
+            <a:r>
               <a:rPr lang="en-IN" b="1" dirty="0" smtClean="0"/>
-              <a:t>port c7337 </a:t>
+              <a:t> </a:t>
+            </a:r>
+          </a:p>
+          <a:p>
+            <a:r>
+              <a:rPr lang="en-IN" dirty="0" smtClean="0"/>
+              <a:t>List volumes </a:t>
+            </a:r>
+          </a:p>
+          <a:p>
+            <a:pPr>
+              <a:buNone/>
+            </a:pPr>
+            <a:r>
+              <a:rPr lang="en-IN" dirty="0" smtClean="0"/>
+              <a:t>	</a:t>
+            </a:r>
+            <a:r>
+              <a:rPr lang="en-IN" b="1" dirty="0" err="1" smtClean="0"/>
+              <a:t>docker</a:t>
+            </a:r>
+            <a:r>
+              <a:rPr lang="en-IN" b="1" dirty="0" smtClean="0"/>
+              <a:t> volume </a:t>
+            </a:r>
+            <a:r>
+              <a:rPr lang="en-IN" b="1" dirty="0" err="1" smtClean="0"/>
+              <a:t>ls</a:t>
             </a:r>
             <a:endParaRPr lang="en-IN" b="1" dirty="0"/>
           </a:p>
@@ -5694,6 +5827,13 @@
   <p:clrMapOvr>
     <a:masterClrMapping/>
   </p:clrMapOvr>
+  <p:timing>
+    <p:tnLst>
+      <p:par>
+        <p:cTn id="1" dur="indefinite" restart="never" nodeType="tmRoot"/>
+      </p:par>
+    </p:tnLst>
+  </p:timing>
 </p:sld>
 </file>
 
@@ -5731,7 +5871,7 @@
           <a:p>
             <a:r>
               <a:rPr lang="en-IN" dirty="0" smtClean="0"/>
-              <a:t>Volumes		</a:t>
+              <a:t>Network	</a:t>
             </a:r>
             <a:endParaRPr lang="en-IN" dirty="0"/>
           </a:p>
@@ -5754,7 +5894,7 @@
           <a:p>
             <a:r>
               <a:rPr lang="en-IN" dirty="0" smtClean="0"/>
-              <a:t>Create a local volume </a:t>
+              <a:t>Create a local network </a:t>
             </a:r>
           </a:p>
           <a:p>
@@ -5771,30 +5911,21 @@
             </a:r>
             <a:r>
               <a:rPr lang="en-IN" b="1" dirty="0" smtClean="0"/>
-              <a:t> </a:t>
-            </a:r>
-            <a:r>
-              <a:rPr lang="en-IN" b="1" dirty="0" smtClean="0"/>
-              <a:t>volume create --name </a:t>
+              <a:t> network create </a:t>
             </a:r>
             <a:r>
               <a:rPr lang="en-IN" b="1" dirty="0" err="1" smtClean="0"/>
-              <a:t>myvol</a:t>
+              <a:t>mynet</a:t>
             </a:r>
             <a:r>
               <a:rPr lang="en-IN" b="1" dirty="0" smtClean="0"/>
               <a:t> </a:t>
             </a:r>
-            <a:endParaRPr lang="en-IN" b="1" dirty="0" smtClean="0"/>
-          </a:p>
-          <a:p>
-            <a:r>
-              <a:rPr lang="en-IN" dirty="0" smtClean="0"/>
-              <a:t>Mounting </a:t>
-            </a:r>
-            <a:r>
-              <a:rPr lang="en-IN" dirty="0" smtClean="0"/>
-              <a:t>a volume on container start </a:t>
+          </a:p>
+          <a:p>
+            <a:r>
+              <a:rPr lang="en-IN" dirty="0" smtClean="0"/>
+              <a:t>Attach a container to a network on start </a:t>
             </a:r>
           </a:p>
           <a:p>
@@ -5811,19 +5942,15 @@
             </a:r>
             <a:r>
               <a:rPr lang="en-IN" b="1" dirty="0" smtClean="0"/>
+              <a:t> run -d --net </a:t>
+            </a:r>
+            <a:r>
+              <a:rPr lang="en-IN" b="1" dirty="0" err="1" smtClean="0"/>
+              <a:t>mynet</a:t>
+            </a:r>
+            <a:r>
+              <a:rPr lang="en-IN" b="1" dirty="0" smtClean="0"/>
               <a:t> </a:t>
-            </a:r>
-            <a:r>
-              <a:rPr lang="en-IN" b="1" dirty="0" smtClean="0"/>
-              <a:t>run -v </a:t>
-            </a:r>
-            <a:r>
-              <a:rPr lang="en-IN" b="1" dirty="0" err="1" smtClean="0"/>
-              <a:t>myvol</a:t>
-            </a:r>
-            <a:r>
-              <a:rPr lang="en-IN" b="1" dirty="0" smtClean="0"/>
-              <a:t>:/data </a:t>
             </a:r>
             <a:r>
               <a:rPr lang="en-IN" b="1" dirty="0" err="1" smtClean="0"/>
@@ -5833,18 +5960,12 @@
               <a:rPr lang="en-IN" b="1" dirty="0" smtClean="0"/>
               <a:t> </a:t>
             </a:r>
-            <a:endParaRPr lang="en-IN" b="1" dirty="0" smtClean="0"/>
-          </a:p>
-          <a:p>
-            <a:r>
-              <a:rPr lang="en-IN" dirty="0" smtClean="0"/>
-              <a:t>Destroy </a:t>
-            </a:r>
-            <a:r>
-              <a:rPr lang="en-IN" dirty="0" smtClean="0"/>
-              <a:t>a volume </a:t>
-            </a:r>
-            <a:endParaRPr lang="en-IN" dirty="0" smtClean="0"/>
+          </a:p>
+          <a:p>
+            <a:r>
+              <a:rPr lang="en-IN" dirty="0" smtClean="0"/>
+              <a:t>Connect a running container from a network</a:t>
+            </a:r>
           </a:p>
           <a:p>
             <a:pPr>
@@ -5860,38 +5981,21 @@
             </a:r>
             <a:r>
               <a:rPr lang="en-IN" b="1" dirty="0" smtClean="0"/>
-              <a:t> </a:t>
+              <a:t> network connect </a:t>
+            </a:r>
+            <a:r>
+              <a:rPr lang="en-IN" b="1" dirty="0" err="1" smtClean="0"/>
+              <a:t>mynet</a:t>
             </a:r>
             <a:r>
               <a:rPr lang="en-IN" b="1" dirty="0" smtClean="0"/>
-              <a:t>volume </a:t>
-            </a:r>
-            <a:r>
-              <a:rPr lang="en-IN" b="1" dirty="0" err="1" smtClean="0"/>
-              <a:t>rm</a:t>
-            </a:r>
-            <a:r>
-              <a:rPr lang="en-IN" b="1" dirty="0" smtClean="0"/>
-              <a:t> </a:t>
-            </a:r>
-            <a:r>
-              <a:rPr lang="en-IN" b="1" dirty="0" err="1" smtClean="0"/>
-              <a:t>myvol</a:t>
-            </a:r>
-            <a:r>
-              <a:rPr lang="en-IN" b="1" dirty="0" smtClean="0"/>
-              <a:t> </a:t>
-            </a:r>
-            <a:endParaRPr lang="en-IN" b="1" dirty="0" smtClean="0"/>
-          </a:p>
-          <a:p>
-            <a:r>
-              <a:rPr lang="en-IN" dirty="0" smtClean="0"/>
-              <a:t>List </a:t>
-            </a:r>
-            <a:r>
-              <a:rPr lang="en-IN" dirty="0" smtClean="0"/>
-              <a:t>volumes </a:t>
+              <a:t> c7337 </a:t>
+            </a:r>
+          </a:p>
+          <a:p>
+            <a:r>
+              <a:rPr lang="en-IN" dirty="0" smtClean="0"/>
+              <a:t>Disconnect container to a network </a:t>
             </a:r>
           </a:p>
           <a:p>
@@ -5908,15 +6012,15 @@
             </a:r>
             <a:r>
               <a:rPr lang="en-IN" b="1" dirty="0" smtClean="0"/>
-              <a:t> </a:t>
+              <a:t> network disconnect </a:t>
+            </a:r>
+            <a:r>
+              <a:rPr lang="en-IN" b="1" dirty="0" err="1" smtClean="0"/>
+              <a:t>mynet</a:t>
             </a:r>
             <a:r>
               <a:rPr lang="en-IN" b="1" dirty="0" smtClean="0"/>
-              <a:t>volume </a:t>
-            </a:r>
-            <a:r>
-              <a:rPr lang="en-IN" b="1" dirty="0" err="1" smtClean="0"/>
-              <a:t>ls</a:t>
+              <a:t> c7337</a:t>
             </a:r>
             <a:endParaRPr lang="en-IN" b="1" dirty="0"/>
           </a:p>
@@ -5927,6 +6031,13 @@
   <p:clrMapOvr>
     <a:masterClrMapping/>
   </p:clrMapOvr>
+  <p:timing>
+    <p:tnLst>
+      <p:par>
+        <p:cTn id="1" dur="indefinite" restart="never" nodeType="tmRoot"/>
+      </p:par>
+    </p:tnLst>
+  </p:timing>
 </p:sld>
 </file>
 
@@ -6054,6 +6165,13 @@
   <p:clrMapOvr>
     <a:masterClrMapping/>
   </p:clrMapOvr>
+  <p:timing>
+    <p:tnLst>
+      <p:par>
+        <p:cTn id="1" dur="indefinite" restart="never" nodeType="tmRoot"/>
+      </p:par>
+    </p:tnLst>
+  </p:timing>
 </p:sld>
 </file>
 
@@ -6086,224 +6204,90 @@
         </p:nvSpPr>
         <p:spPr/>
         <p:txBody>
+          <a:bodyPr>
+            <a:normAutofit/>
+          </a:bodyPr>
+          <a:lstStyle/>
+          <a:p>
+            <a:r>
+              <a:rPr lang="en-IN" dirty="0" smtClean="0"/>
+              <a:t>What is </a:t>
+            </a:r>
+            <a:r>
+              <a:rPr lang="en-IN" dirty="0" err="1" smtClean="0"/>
+              <a:t>Dockerfile</a:t>
+            </a:r>
+            <a:r>
+              <a:rPr lang="en-IN" dirty="0" smtClean="0"/>
+              <a:t> ?</a:t>
+            </a:r>
+            <a:endParaRPr lang="en-IN" dirty="0"/>
+          </a:p>
+        </p:txBody>
+      </p:sp>
+      <p:sp>
+        <p:nvSpPr>
+          <p:cNvPr id="3" name="Content Placeholder 2"/>
+          <p:cNvSpPr>
+            <a:spLocks noGrp="1"/>
+          </p:cNvSpPr>
+          <p:nvPr>
+            <p:ph idx="1"/>
+          </p:nvPr>
+        </p:nvSpPr>
+        <p:spPr/>
+        <p:txBody>
           <a:bodyPr/>
           <a:lstStyle/>
           <a:p>
-            <a:r>
-              <a:rPr lang="en-IN" dirty="0" smtClean="0"/>
-              <a:t>Manage Containers	</a:t>
+            <a:pPr>
+              <a:buNone/>
+            </a:pPr>
+            <a:r>
+              <a:rPr lang="en-IN" dirty="0" err="1" smtClean="0"/>
+              <a:t>Dockerfile</a:t>
+            </a:r>
+            <a:r>
+              <a:rPr lang="en-IN" dirty="0" smtClean="0"/>
+              <a:t> is a text document that contains all the commands a user could call on the CLI to assemble an image.</a:t>
+            </a:r>
+          </a:p>
+          <a:p>
+            <a:pPr>
+              <a:buNone/>
+            </a:pPr>
+            <a:r>
+              <a:rPr lang="en-IN" dirty="0" smtClean="0"/>
+              <a:t>Using </a:t>
+            </a:r>
+            <a:r>
+              <a:rPr lang="en-IN" dirty="0" err="1" smtClean="0"/>
+              <a:t>docker</a:t>
+            </a:r>
+            <a:r>
+              <a:rPr lang="en-IN" dirty="0" smtClean="0"/>
+              <a:t> build command users can create an automated build that executed several command-line instructions in succession. </a:t>
+            </a:r>
+          </a:p>
+          <a:p>
+            <a:pPr>
+              <a:buNone/>
+            </a:pPr>
+            <a:endParaRPr lang="en-IN" dirty="0" smtClean="0"/>
+          </a:p>
+          <a:p>
+            <a:pPr>
+              <a:buNone/>
+            </a:pPr>
+            <a:r>
+              <a:rPr lang="en-IN" dirty="0" err="1" smtClean="0"/>
+              <a:t>docker</a:t>
+            </a:r>
+            <a:r>
+              <a:rPr lang="en-IN" dirty="0" smtClean="0"/>
+              <a:t> build -t {IMAGE_NAME} .</a:t>
             </a:r>
             <a:endParaRPr lang="en-IN" dirty="0"/>
-          </a:p>
-        </p:txBody>
-      </p:sp>
-      <p:sp>
-        <p:nvSpPr>
-          <p:cNvPr id="3" name="Content Placeholder 2"/>
-          <p:cNvSpPr>
-            <a:spLocks noGrp="1"/>
-          </p:cNvSpPr>
-          <p:nvPr>
-            <p:ph idx="1"/>
-          </p:nvPr>
-        </p:nvSpPr>
-        <p:spPr/>
-        <p:txBody>
-          <a:bodyPr>
-            <a:normAutofit fontScale="85000" lnSpcReduction="20000"/>
-          </a:bodyPr>
-          <a:lstStyle/>
-          <a:p>
-            <a:r>
-              <a:rPr lang="en-IN" dirty="0" smtClean="0"/>
-              <a:t>List running containers</a:t>
-            </a:r>
-          </a:p>
-          <a:p>
-            <a:pPr>
-              <a:buNone/>
-            </a:pPr>
-            <a:r>
-              <a:rPr lang="en-IN" b="1" dirty="0" smtClean="0"/>
-              <a:t>	</a:t>
-            </a:r>
-            <a:r>
-              <a:rPr lang="en-IN" b="1" dirty="0" err="1" smtClean="0"/>
-              <a:t>docker</a:t>
-            </a:r>
-            <a:r>
-              <a:rPr lang="en-IN" b="1" dirty="0" smtClean="0"/>
-              <a:t> </a:t>
-            </a:r>
-            <a:r>
-              <a:rPr lang="en-IN" b="1" dirty="0" err="1" smtClean="0"/>
-              <a:t>ps</a:t>
-            </a:r>
-            <a:endParaRPr lang="en-IN" b="1" dirty="0" smtClean="0"/>
-          </a:p>
-          <a:p>
-            <a:r>
-              <a:rPr lang="en-IN" dirty="0" smtClean="0"/>
-              <a:t>List all containers ( running &amp; stopped )</a:t>
-            </a:r>
-          </a:p>
-          <a:p>
-            <a:pPr>
-              <a:buNone/>
-            </a:pPr>
-            <a:r>
-              <a:rPr lang="en-IN" dirty="0" smtClean="0"/>
-              <a:t>	</a:t>
-            </a:r>
-            <a:r>
-              <a:rPr lang="en-IN" b="1" dirty="0" err="1" smtClean="0"/>
-              <a:t>docker</a:t>
-            </a:r>
-            <a:r>
-              <a:rPr lang="en-IN" b="1" dirty="0" smtClean="0"/>
-              <a:t> </a:t>
-            </a:r>
-            <a:r>
-              <a:rPr lang="en-IN" b="1" dirty="0" err="1" smtClean="0"/>
-              <a:t>ps</a:t>
-            </a:r>
-            <a:r>
-              <a:rPr lang="en-IN" b="1" dirty="0" smtClean="0"/>
-              <a:t> –a</a:t>
-            </a:r>
-          </a:p>
-          <a:p>
-            <a:r>
-              <a:rPr lang="en-IN" dirty="0" smtClean="0"/>
-              <a:t>Inspect containers metadata</a:t>
-            </a:r>
-          </a:p>
-          <a:p>
-            <a:pPr>
-              <a:buNone/>
-            </a:pPr>
-            <a:r>
-              <a:rPr lang="en-IN" dirty="0" smtClean="0"/>
-              <a:t> </a:t>
-            </a:r>
-            <a:r>
-              <a:rPr lang="en-IN" b="1" dirty="0" smtClean="0"/>
-              <a:t>  </a:t>
-            </a:r>
-            <a:r>
-              <a:rPr lang="en-IN" b="1" dirty="0" err="1" smtClean="0"/>
-              <a:t>docker</a:t>
-            </a:r>
-            <a:r>
-              <a:rPr lang="en-IN" b="1" dirty="0" smtClean="0"/>
-              <a:t> inspect c7337</a:t>
-            </a:r>
-          </a:p>
-          <a:p>
-            <a:r>
-              <a:rPr lang="en-IN" dirty="0" smtClean="0"/>
-              <a:t>List locally available images</a:t>
-            </a:r>
-          </a:p>
-          <a:p>
-            <a:pPr>
-              <a:buNone/>
-            </a:pPr>
-            <a:r>
-              <a:rPr lang="en-IN" dirty="0" smtClean="0"/>
-              <a:t>	</a:t>
-            </a:r>
-            <a:r>
-              <a:rPr lang="en-IN" b="1" dirty="0" err="1" smtClean="0"/>
-              <a:t>docker</a:t>
-            </a:r>
-            <a:r>
-              <a:rPr lang="en-IN" b="1" dirty="0" smtClean="0"/>
-              <a:t> images</a:t>
-            </a:r>
-          </a:p>
-          <a:p>
-            <a:r>
-              <a:rPr lang="en-IN" dirty="0" smtClean="0"/>
-              <a:t>Delete all stopped containers</a:t>
-            </a:r>
-          </a:p>
-          <a:p>
-            <a:pPr>
-              <a:buNone/>
-            </a:pPr>
-            <a:r>
-              <a:rPr lang="en-IN" dirty="0" smtClean="0"/>
-              <a:t>	</a:t>
-            </a:r>
-            <a:r>
-              <a:rPr lang="en-IN" b="1" dirty="0" err="1" smtClean="0"/>
-              <a:t>docker</a:t>
-            </a:r>
-            <a:r>
-              <a:rPr lang="en-IN" b="1" dirty="0" smtClean="0"/>
-              <a:t> </a:t>
-            </a:r>
-            <a:r>
-              <a:rPr lang="en-IN" b="1" dirty="0" err="1" smtClean="0"/>
-              <a:t>rm</a:t>
-            </a:r>
-            <a:r>
-              <a:rPr lang="en-IN" b="1" dirty="0" smtClean="0"/>
-              <a:t> $(</a:t>
-            </a:r>
-            <a:r>
-              <a:rPr lang="en-IN" b="1" dirty="0" err="1" smtClean="0"/>
-              <a:t>doker</a:t>
-            </a:r>
-            <a:r>
-              <a:rPr lang="en-IN" b="1" dirty="0" smtClean="0"/>
-              <a:t> </a:t>
-            </a:r>
-            <a:r>
-              <a:rPr lang="en-IN" b="1" dirty="0" err="1" smtClean="0"/>
-              <a:t>ps</a:t>
-            </a:r>
-            <a:r>
-              <a:rPr lang="en-IN" b="1" dirty="0" smtClean="0"/>
-              <a:t> –filter status=exited –q )</a:t>
-            </a:r>
-          </a:p>
-          <a:p>
-            <a:r>
-              <a:rPr lang="en-IN" dirty="0" smtClean="0"/>
-              <a:t>List all containers with a specific label</a:t>
-            </a:r>
-          </a:p>
-          <a:p>
-            <a:pPr>
-              <a:buNone/>
-            </a:pPr>
-            <a:r>
-              <a:rPr lang="en-IN" dirty="0" smtClean="0"/>
-              <a:t>	</a:t>
-            </a:r>
-            <a:r>
-              <a:rPr lang="en-IN" b="1" dirty="0" err="1" smtClean="0"/>
-              <a:t>docker</a:t>
-            </a:r>
-            <a:r>
-              <a:rPr lang="en-IN" b="1" dirty="0" smtClean="0"/>
-              <a:t> </a:t>
-            </a:r>
-            <a:r>
-              <a:rPr lang="en-IN" b="1" dirty="0" err="1" smtClean="0"/>
-              <a:t>ps</a:t>
-            </a:r>
-            <a:r>
-              <a:rPr lang="en-IN" b="1" dirty="0" smtClean="0"/>
-              <a:t> –filter label=</a:t>
-            </a:r>
-            <a:r>
-              <a:rPr lang="en-IN" b="1" dirty="0" err="1" smtClean="0"/>
-              <a:t>demoproject</a:t>
-            </a:r>
-            <a:endParaRPr lang="en-IN" b="1" dirty="0"/>
           </a:p>
         </p:txBody>
       </p:sp>
@@ -6312,6 +6296,13 @@
   <p:clrMapOvr>
     <a:masterClrMapping/>
   </p:clrMapOvr>
+  <p:timing>
+    <p:tnLst>
+      <p:par>
+        <p:cTn id="1" dur="indefinite" restart="never" nodeType="tmRoot"/>
+      </p:par>
+    </p:tnLst>
+  </p:timing>
 </p:sld>
 </file>
 
@@ -6348,8 +6339,20 @@
           <a:lstStyle/>
           <a:p>
             <a:r>
-              <a:rPr lang="en-IN" dirty="0" smtClean="0"/>
-              <a:t>Network	</a:t>
+              <a:rPr lang="en-IN" dirty="0" err="1" smtClean="0"/>
+              <a:t>Docker</a:t>
+            </a:r>
+            <a:r>
+              <a:rPr lang="en-IN" dirty="0" smtClean="0"/>
+              <a:t> Image </a:t>
+            </a:r>
+            <a:r>
+              <a:rPr lang="en-IN" dirty="0" err="1" smtClean="0"/>
+              <a:t>vs</a:t>
+            </a:r>
+            <a:r>
+              <a:rPr lang="en-IN" dirty="0" smtClean="0"/>
+              <a:t> Layer</a:t>
             </a:r>
             <a:endParaRPr lang="en-IN" dirty="0"/>
           </a:p>
@@ -6371,172 +6374,53 @@
           <a:lstStyle/>
           <a:p>
             <a:r>
-              <a:rPr lang="en-IN" dirty="0" smtClean="0"/>
-              <a:t>Create a local network </a:t>
-            </a:r>
-            <a:endParaRPr lang="en-IN" dirty="0" smtClean="0"/>
+              <a:rPr lang="en-IN" b="1" dirty="0" smtClean="0"/>
+              <a:t>Image</a:t>
+            </a:r>
+            <a:r>
+              <a:rPr lang="en-IN" dirty="0" smtClean="0"/>
+              <a:t>: A </a:t>
+            </a:r>
+            <a:r>
+              <a:rPr lang="en-IN" dirty="0" err="1" smtClean="0"/>
+              <a:t>Docker</a:t>
+            </a:r>
+            <a:r>
+              <a:rPr lang="en-IN" dirty="0" smtClean="0"/>
+              <a:t> image is built up from a series of </a:t>
+            </a:r>
+            <a:r>
+              <a:rPr lang="en-IN" b="1" dirty="0" smtClean="0"/>
+              <a:t>read-only</a:t>
+            </a:r>
+            <a:r>
+              <a:rPr lang="en-IN" dirty="0" smtClean="0"/>
+              <a:t> layers</a:t>
+            </a:r>
+          </a:p>
+          <a:p>
+            <a:r>
+              <a:rPr lang="en-IN" b="1" dirty="0" smtClean="0"/>
+              <a:t>Layer</a:t>
+            </a:r>
+            <a:r>
+              <a:rPr lang="en-IN" dirty="0" smtClean="0"/>
+              <a:t>: Each layer represents an instruction in the image’s </a:t>
+            </a:r>
+            <a:r>
+              <a:rPr lang="en-IN" dirty="0" err="1" smtClean="0"/>
+              <a:t>Dockerfile</a:t>
+            </a:r>
+            <a:r>
+              <a:rPr lang="en-IN" dirty="0" smtClean="0"/>
+              <a:t>.</a:t>
+            </a:r>
           </a:p>
           <a:p>
             <a:pPr>
               <a:buNone/>
             </a:pPr>
-            <a:r>
-              <a:rPr lang="en-IN" dirty="0" smtClean="0"/>
-              <a:t>	</a:t>
-            </a:r>
-            <a:r>
-              <a:rPr lang="en-IN" b="1" dirty="0" err="1" smtClean="0"/>
-              <a:t>docker</a:t>
-            </a:r>
-            <a:r>
-              <a:rPr lang="en-IN" b="1" dirty="0" smtClean="0"/>
-              <a:t> </a:t>
-            </a:r>
-            <a:r>
-              <a:rPr lang="en-IN" b="1" dirty="0" smtClean="0"/>
-              <a:t>network create </a:t>
-            </a:r>
-            <a:r>
-              <a:rPr lang="en-IN" b="1" dirty="0" err="1" smtClean="0"/>
-              <a:t>mynet</a:t>
-            </a:r>
-            <a:r>
-              <a:rPr lang="en-IN" b="1" dirty="0" smtClean="0"/>
-              <a:t> </a:t>
-            </a:r>
-            <a:endParaRPr lang="en-IN" b="1" dirty="0" smtClean="0"/>
-          </a:p>
-          <a:p>
-            <a:r>
-              <a:rPr lang="en-IN" dirty="0" smtClean="0"/>
-              <a:t>Attach </a:t>
-            </a:r>
-            <a:r>
-              <a:rPr lang="en-IN" dirty="0" smtClean="0"/>
-              <a:t>a container to a network on start </a:t>
-            </a:r>
-          </a:p>
-          <a:p>
-            <a:pPr>
-              <a:buNone/>
-            </a:pPr>
-            <a:r>
-              <a:rPr lang="en-IN" dirty="0" smtClean="0"/>
-              <a:t>	</a:t>
-            </a:r>
-            <a:r>
-              <a:rPr lang="en-IN" b="1" dirty="0" err="1" smtClean="0"/>
-              <a:t>docker</a:t>
-            </a:r>
-            <a:r>
-              <a:rPr lang="en-IN" b="1" dirty="0" smtClean="0"/>
-              <a:t> </a:t>
-            </a:r>
-            <a:r>
-              <a:rPr lang="en-IN" b="1" dirty="0" smtClean="0"/>
-              <a:t>run -d --net </a:t>
-            </a:r>
-            <a:r>
-              <a:rPr lang="en-IN" b="1" dirty="0" err="1" smtClean="0"/>
-              <a:t>mynet</a:t>
-            </a:r>
-            <a:r>
-              <a:rPr lang="en-IN" b="1" dirty="0" smtClean="0"/>
-              <a:t> </a:t>
-            </a:r>
-            <a:r>
-              <a:rPr lang="en-IN" b="1" dirty="0" err="1" smtClean="0"/>
-              <a:t>redis</a:t>
-            </a:r>
-            <a:r>
-              <a:rPr lang="en-IN" b="1" dirty="0" smtClean="0"/>
-              <a:t> </a:t>
-            </a:r>
-            <a:endParaRPr lang="en-IN" b="1" dirty="0" smtClean="0"/>
-          </a:p>
-          <a:p>
-            <a:r>
-              <a:rPr lang="en-IN" dirty="0" smtClean="0"/>
-              <a:t>Connect </a:t>
-            </a:r>
-            <a:r>
-              <a:rPr lang="en-IN" dirty="0" smtClean="0"/>
-              <a:t>a running container from a </a:t>
-            </a:r>
-            <a:r>
-              <a:rPr lang="en-IN" dirty="0" smtClean="0"/>
-              <a:t>network</a:t>
-            </a:r>
-          </a:p>
-          <a:p>
-            <a:pPr>
-              <a:buNone/>
-            </a:pPr>
-            <a:r>
-              <a:rPr lang="en-IN" dirty="0" smtClean="0"/>
-              <a:t>	</a:t>
-            </a:r>
-            <a:r>
-              <a:rPr lang="en-IN" b="1" dirty="0" err="1" smtClean="0"/>
-              <a:t>docker</a:t>
-            </a:r>
-            <a:r>
-              <a:rPr lang="en-IN" b="1" dirty="0" smtClean="0"/>
-              <a:t> </a:t>
-            </a:r>
-            <a:r>
-              <a:rPr lang="en-IN" b="1" dirty="0" smtClean="0"/>
-              <a:t>network connect </a:t>
-            </a:r>
-            <a:r>
-              <a:rPr lang="en-IN" b="1" dirty="0" err="1" smtClean="0"/>
-              <a:t>mynet</a:t>
-            </a:r>
-            <a:r>
-              <a:rPr lang="en-IN" b="1" dirty="0" smtClean="0"/>
-              <a:t> c7337 </a:t>
-            </a:r>
-            <a:endParaRPr lang="en-IN" b="1" dirty="0" smtClean="0"/>
-          </a:p>
-          <a:p>
-            <a:r>
-              <a:rPr lang="en-IN" dirty="0" smtClean="0"/>
-              <a:t>Disconnect </a:t>
-            </a:r>
-            <a:r>
-              <a:rPr lang="en-IN" dirty="0" smtClean="0"/>
-              <a:t>container to a network </a:t>
-            </a:r>
-          </a:p>
-          <a:p>
-            <a:pPr>
-              <a:buNone/>
-            </a:pPr>
-            <a:r>
-              <a:rPr lang="en-IN" dirty="0" smtClean="0"/>
-              <a:t>	</a:t>
-            </a:r>
-            <a:r>
-              <a:rPr lang="en-IN" b="1" dirty="0" err="1" smtClean="0"/>
-              <a:t>docker</a:t>
-            </a:r>
-            <a:r>
-              <a:rPr lang="en-IN" b="1" dirty="0" smtClean="0"/>
-              <a:t> </a:t>
-            </a:r>
-            <a:r>
-              <a:rPr lang="en-IN" b="1" dirty="0" smtClean="0"/>
-              <a:t>network disconnect </a:t>
-            </a:r>
-            <a:r>
-              <a:rPr lang="en-IN" b="1" dirty="0" err="1" smtClean="0"/>
-              <a:t>mynet</a:t>
-            </a:r>
-            <a:r>
-              <a:rPr lang="en-IN" b="1" dirty="0" smtClean="0"/>
-              <a:t> c7337</a:t>
-            </a:r>
-            <a:endParaRPr lang="en-IN" b="1" dirty="0"/>
+            <a:endParaRPr lang="en-IN" dirty="0"/>
           </a:p>
         </p:txBody>
       </p:sp>
@@ -6545,6 +6429,13 @@
   <p:clrMapOvr>
     <a:masterClrMapping/>
   </p:clrMapOvr>
+  <p:timing>
+    <p:tnLst>
+      <p:par>
+        <p:cTn id="1" dur="indefinite" restart="never" nodeType="tmRoot"/>
+      </p:par>
+    </p:tnLst>
+  </p:timing>
 </p:sld>
 </file>
 
@@ -6567,7 +6458,7 @@
       </p:grpSpPr>
       <p:sp>
         <p:nvSpPr>
-          <p:cNvPr id="2" name="Title 1"/>
+          <p:cNvPr id="4" name="Title 3"/>
           <p:cNvSpPr>
             <a:spLocks noGrp="1"/>
           </p:cNvSpPr>
@@ -6577,20 +6468,132 @@
         </p:nvSpPr>
         <p:spPr>
           <a:xfrm>
-            <a:off x="539552" y="2564904"/>
-            <a:ext cx="8229600" cy="1143000"/>
+            <a:off x="467544" y="764704"/>
+            <a:ext cx="8229600" cy="1066800"/>
           </a:xfrm>
         </p:spPr>
         <p:txBody>
           <a:bodyPr/>
           <a:lstStyle/>
           <a:p>
-            <a:pPr algn="ctr"/>
-            <a:r>
-              <a:rPr lang="en-IN" b="1" dirty="0" smtClean="0"/>
-              <a:t>Questions ?</a:t>
-            </a:r>
-            <a:endParaRPr lang="en-IN" b="1" dirty="0"/>
+            <a:r>
+              <a:rPr lang="en-IN" dirty="0" err="1" smtClean="0"/>
+              <a:t>Dockerfile</a:t>
+            </a:r>
+            <a:r>
+              <a:rPr lang="en-IN" dirty="0" smtClean="0"/>
+              <a:t> instructions</a:t>
+            </a:r>
+            <a:endParaRPr lang="en-IN" dirty="0"/>
+          </a:p>
+        </p:txBody>
+      </p:sp>
+      <p:sp>
+        <p:nvSpPr>
+          <p:cNvPr id="5" name="Content Placeholder 4"/>
+          <p:cNvSpPr>
+            <a:spLocks noGrp="1"/>
+          </p:cNvSpPr>
+          <p:nvPr>
+            <p:ph idx="1"/>
+          </p:nvPr>
+        </p:nvSpPr>
+        <p:spPr>
+          <a:xfrm>
+            <a:off x="467544" y="1988840"/>
+            <a:ext cx="8229600" cy="4325112"/>
+          </a:xfrm>
+        </p:spPr>
+        <p:txBody>
+          <a:bodyPr>
+            <a:normAutofit fontScale="70000" lnSpcReduction="20000"/>
+          </a:bodyPr>
+          <a:lstStyle/>
+          <a:p>
+            <a:r>
+              <a:rPr lang="en-IN" dirty="0" smtClean="0"/>
+              <a:t>FROM</a:t>
+            </a:r>
+          </a:p>
+          <a:p>
+            <a:r>
+              <a:rPr lang="en-IN" dirty="0" smtClean="0"/>
+              <a:t>RUN</a:t>
+            </a:r>
+          </a:p>
+          <a:p>
+            <a:r>
+              <a:rPr lang="en-IN" dirty="0" smtClean="0"/>
+              <a:t>CMD</a:t>
+            </a:r>
+          </a:p>
+          <a:p>
+            <a:r>
+              <a:rPr lang="en-IN" dirty="0" smtClean="0"/>
+              <a:t>MAINTAINER</a:t>
+            </a:r>
+          </a:p>
+          <a:p>
+            <a:r>
+              <a:rPr lang="en-IN" dirty="0" smtClean="0"/>
+              <a:t>LABEL</a:t>
+            </a:r>
+          </a:p>
+          <a:p>
+            <a:r>
+              <a:rPr lang="en-IN" dirty="0" smtClean="0"/>
+              <a:t>EXPOSE</a:t>
+            </a:r>
+          </a:p>
+          <a:p>
+            <a:r>
+              <a:rPr lang="en-IN" dirty="0" smtClean="0"/>
+              <a:t>ENV</a:t>
+            </a:r>
+          </a:p>
+          <a:p>
+            <a:r>
+              <a:rPr lang="en-IN" dirty="0" smtClean="0"/>
+              <a:t>ADD</a:t>
+            </a:r>
+          </a:p>
+          <a:p>
+            <a:r>
+              <a:rPr lang="en-IN" dirty="0" smtClean="0"/>
+              <a:t>COPY</a:t>
+            </a:r>
+          </a:p>
+          <a:p>
+            <a:r>
+              <a:rPr lang="en-IN" dirty="0" smtClean="0"/>
+              <a:t>ENTRYPOINT</a:t>
+            </a:r>
+            <a:endParaRPr lang="en-IN" dirty="0" smtClean="0"/>
+          </a:p>
+          <a:p>
+            <a:r>
+              <a:rPr lang="en-IN" dirty="0" smtClean="0"/>
+              <a:t>VOLUME</a:t>
+            </a:r>
+          </a:p>
+          <a:p>
+            <a:r>
+              <a:rPr lang="en-IN" dirty="0" smtClean="0"/>
+              <a:t>USER</a:t>
+            </a:r>
+          </a:p>
+          <a:p>
+            <a:r>
+              <a:rPr lang="en-IN" dirty="0" smtClean="0"/>
+              <a:t>WORKDIR</a:t>
+            </a:r>
+          </a:p>
+          <a:p>
+            <a:r>
+              <a:rPr lang="en-IN" dirty="0" smtClean="0"/>
+              <a:t>ONBUILD</a:t>
+            </a:r>
+            <a:endParaRPr lang="en-IN" dirty="0"/>
           </a:p>
         </p:txBody>
       </p:sp>
@@ -6599,6 +6602,13 @@
   <p:clrMapOvr>
     <a:masterClrMapping/>
   </p:clrMapOvr>
+  <p:timing>
+    <p:tnLst>
+      <p:par>
+        <p:cTn id="1" dur="indefinite" restart="never" nodeType="tmRoot"/>
+      </p:par>
+    </p:tnLst>
+  </p:timing>
 </p:sld>
 </file>
 
@@ -6621,6 +6631,706 @@
       </p:grpSpPr>
       <p:sp>
         <p:nvSpPr>
+          <p:cNvPr id="2" name="Title 1"/>
+          <p:cNvSpPr>
+            <a:spLocks noGrp="1"/>
+          </p:cNvSpPr>
+          <p:nvPr>
+            <p:ph type="title"/>
+          </p:nvPr>
+        </p:nvSpPr>
+        <p:spPr>
+          <a:xfrm>
+            <a:off x="395536" y="2780928"/>
+            <a:ext cx="8229600" cy="1066800"/>
+          </a:xfrm>
+        </p:spPr>
+        <p:txBody>
+          <a:bodyPr>
+            <a:normAutofit fontScale="90000"/>
+          </a:bodyPr>
+          <a:lstStyle/>
+          <a:p>
+            <a:r>
+              <a:rPr lang="en-IN" dirty="0" smtClean="0"/>
+              <a:t>Creating </a:t>
+            </a:r>
+            <a:r>
+              <a:rPr lang="en-IN" dirty="0" err="1" smtClean="0"/>
+              <a:t>docker</a:t>
+            </a:r>
+            <a:r>
+              <a:rPr lang="en-IN" dirty="0" smtClean="0"/>
+              <a:t> image from </a:t>
+            </a:r>
+            <a:r>
+              <a:rPr lang="en-IN" dirty="0" err="1" smtClean="0"/>
+              <a:t>Dockerfile</a:t>
+            </a:r>
+            <a:endParaRPr lang="en-IN" dirty="0"/>
+          </a:p>
+        </p:txBody>
+      </p:sp>
+    </p:spTree>
+  </p:cSld>
+  <p:clrMapOvr>
+    <a:masterClrMapping/>
+  </p:clrMapOvr>
+  <p:timing>
+    <p:tnLst>
+      <p:par>
+        <p:cTn id="1" dur="indefinite" restart="never" nodeType="tmRoot"/>
+      </p:par>
+    </p:tnLst>
+  </p:timing>
+</p:sld>
+</file>
+
+<file path=ppt/slides/slide24.xml><?xml version="1.0" encoding="utf-8"?>
+<p:sld xmlns:a="http://schemas.openxmlformats.org/drawingml/2006/main" xmlns:r="http://schemas.openxmlformats.org/officeDocument/2006/relationships" xmlns:p="http://schemas.openxmlformats.org/presentationml/2006/main">
+  <p:cSld>
+    <p:spTree>
+      <p:nvGrpSpPr>
+        <p:cNvPr id="1" name=""/>
+        <p:cNvGrpSpPr/>
+        <p:nvPr/>
+      </p:nvGrpSpPr>
+      <p:grpSpPr>
+        <a:xfrm>
+          <a:off x="0" y="0"/>
+          <a:ext cx="0" cy="0"/>
+          <a:chOff x="0" y="0"/>
+          <a:chExt cx="0" cy="0"/>
+        </a:xfrm>
+      </p:grpSpPr>
+      <p:sp>
+        <p:nvSpPr>
+          <p:cNvPr id="2" name="Title 1"/>
+          <p:cNvSpPr>
+            <a:spLocks noGrp="1"/>
+          </p:cNvSpPr>
+          <p:nvPr>
+            <p:ph type="title"/>
+          </p:nvPr>
+        </p:nvSpPr>
+        <p:spPr/>
+        <p:txBody>
+          <a:bodyPr/>
+          <a:lstStyle/>
+          <a:p>
+            <a:r>
+              <a:rPr lang="en-IN" dirty="0" err="1" smtClean="0"/>
+              <a:t>docker</a:t>
+            </a:r>
+            <a:r>
+              <a:rPr lang="en-IN" dirty="0" smtClean="0"/>
+              <a:t>-compose </a:t>
+            </a:r>
+            <a:endParaRPr lang="en-IN" dirty="0"/>
+          </a:p>
+        </p:txBody>
+      </p:sp>
+      <p:sp>
+        <p:nvSpPr>
+          <p:cNvPr id="3" name="Content Placeholder 2"/>
+          <p:cNvSpPr>
+            <a:spLocks noGrp="1"/>
+          </p:cNvSpPr>
+          <p:nvPr>
+            <p:ph idx="1"/>
+          </p:nvPr>
+        </p:nvSpPr>
+        <p:spPr/>
+        <p:txBody>
+          <a:bodyPr>
+            <a:normAutofit/>
+          </a:bodyPr>
+          <a:lstStyle/>
+          <a:p>
+            <a:pPr>
+              <a:buNone/>
+            </a:pPr>
+            <a:r>
+              <a:rPr lang="en-IN" dirty="0" err="1" smtClean="0"/>
+              <a:t>Docker</a:t>
+            </a:r>
+            <a:r>
+              <a:rPr lang="en-IN" dirty="0" smtClean="0"/>
+              <a:t> Compose is a tool for defining and running multi-container </a:t>
+            </a:r>
+            <a:r>
+              <a:rPr lang="en-IN" dirty="0" err="1" smtClean="0"/>
+              <a:t>Docker</a:t>
+            </a:r>
+            <a:r>
+              <a:rPr lang="en-IN" dirty="0" smtClean="0"/>
+              <a:t> applications.</a:t>
+            </a:r>
+          </a:p>
+          <a:p>
+            <a:pPr>
+              <a:buNone/>
+            </a:pPr>
+            <a:endParaRPr lang="en-IN" dirty="0" smtClean="0"/>
+          </a:p>
+          <a:p>
+            <a:pPr>
+              <a:buNone/>
+            </a:pPr>
+            <a:r>
+              <a:rPr lang="en-IN" sz="2000" dirty="0" smtClean="0"/>
+              <a:t>Installation on Linux </a:t>
+            </a:r>
+            <a:r>
+              <a:rPr lang="en-IN" sz="2000" dirty="0" err="1" smtClean="0"/>
+              <a:t>Env</a:t>
+            </a:r>
+            <a:r>
+              <a:rPr lang="en-IN" sz="2000" dirty="0" smtClean="0"/>
+              <a:t>:</a:t>
+            </a:r>
+          </a:p>
+          <a:p>
+            <a:pPr>
+              <a:buNone/>
+            </a:pPr>
+            <a:r>
+              <a:rPr lang="pt-BR" sz="1400" dirty="0" smtClean="0"/>
+              <a:t>curl -L "https://github.com/docker/compose/releases/download/1.23.2/docker-compose-$(uname -s)-$(uname -m)" -o /usr/bin/docker-compose </a:t>
+            </a:r>
+          </a:p>
+          <a:p>
+            <a:pPr>
+              <a:buNone/>
+            </a:pPr>
+            <a:r>
+              <a:rPr lang="en-IN" sz="1400" dirty="0" err="1" smtClean="0"/>
+              <a:t>chmod</a:t>
+            </a:r>
+            <a:r>
+              <a:rPr lang="en-IN" sz="1400" dirty="0" smtClean="0"/>
+              <a:t> +x /</a:t>
+            </a:r>
+            <a:r>
+              <a:rPr lang="en-IN" sz="1400" dirty="0" err="1" smtClean="0"/>
+              <a:t>usr</a:t>
+            </a:r>
+            <a:r>
+              <a:rPr lang="en-IN" sz="1400" dirty="0" smtClean="0"/>
+              <a:t>/bin/</a:t>
+            </a:r>
+            <a:r>
+              <a:rPr lang="en-IN" sz="1400" dirty="0" err="1" smtClean="0"/>
+              <a:t>docker</a:t>
+            </a:r>
+            <a:r>
+              <a:rPr lang="en-IN" sz="1400" dirty="0" smtClean="0"/>
+              <a:t>-compose</a:t>
+            </a:r>
+          </a:p>
+          <a:p>
+            <a:pPr>
+              <a:buNone/>
+            </a:pPr>
+            <a:endParaRPr lang="en-IN" dirty="0"/>
+          </a:p>
+        </p:txBody>
+      </p:sp>
+    </p:spTree>
+  </p:cSld>
+  <p:clrMapOvr>
+    <a:masterClrMapping/>
+  </p:clrMapOvr>
+  <p:timing>
+    <p:tnLst>
+      <p:par>
+        <p:cTn id="1" dur="indefinite" restart="never" nodeType="tmRoot"/>
+      </p:par>
+    </p:tnLst>
+  </p:timing>
+</p:sld>
+</file>
+
+<file path=ppt/slides/slide25.xml><?xml version="1.0" encoding="utf-8"?>
+<p:sld xmlns:a="http://schemas.openxmlformats.org/drawingml/2006/main" xmlns:r="http://schemas.openxmlformats.org/officeDocument/2006/relationships" xmlns:p="http://schemas.openxmlformats.org/presentationml/2006/main">
+  <p:cSld>
+    <p:spTree>
+      <p:nvGrpSpPr>
+        <p:cNvPr id="1" name=""/>
+        <p:cNvGrpSpPr/>
+        <p:nvPr/>
+      </p:nvGrpSpPr>
+      <p:grpSpPr>
+        <a:xfrm>
+          <a:off x="0" y="0"/>
+          <a:ext cx="0" cy="0"/>
+          <a:chOff x="0" y="0"/>
+          <a:chExt cx="0" cy="0"/>
+        </a:xfrm>
+      </p:grpSpPr>
+      <p:sp>
+        <p:nvSpPr>
+          <p:cNvPr id="2" name="Title 1"/>
+          <p:cNvSpPr>
+            <a:spLocks noGrp="1"/>
+          </p:cNvSpPr>
+          <p:nvPr>
+            <p:ph type="title"/>
+          </p:nvPr>
+        </p:nvSpPr>
+        <p:spPr>
+          <a:xfrm>
+            <a:off x="467544" y="548680"/>
+            <a:ext cx="8229600" cy="1066800"/>
+          </a:xfrm>
+        </p:spPr>
+        <p:txBody>
+          <a:bodyPr/>
+          <a:lstStyle/>
+          <a:p>
+            <a:r>
+              <a:rPr lang="en-IN" dirty="0" err="1" smtClean="0"/>
+              <a:t>docker</a:t>
+            </a:r>
+            <a:r>
+              <a:rPr lang="en-IN" dirty="0" smtClean="0"/>
+              <a:t>-compose lifecycle</a:t>
+            </a:r>
+            <a:endParaRPr lang="en-IN" dirty="0"/>
+          </a:p>
+        </p:txBody>
+      </p:sp>
+      <p:sp>
+        <p:nvSpPr>
+          <p:cNvPr id="3" name="Content Placeholder 2"/>
+          <p:cNvSpPr>
+            <a:spLocks noGrp="1"/>
+          </p:cNvSpPr>
+          <p:nvPr>
+            <p:ph idx="1"/>
+          </p:nvPr>
+        </p:nvSpPr>
+        <p:spPr>
+          <a:xfrm>
+            <a:off x="539552" y="1700808"/>
+            <a:ext cx="8229600" cy="4896544"/>
+          </a:xfrm>
+        </p:spPr>
+        <p:txBody>
+          <a:bodyPr>
+            <a:normAutofit fontScale="70000" lnSpcReduction="20000"/>
+          </a:bodyPr>
+          <a:lstStyle/>
+          <a:p>
+            <a:pPr>
+              <a:buFont typeface="Wingdings" pitchFamily="2" charset="2"/>
+              <a:buChar char="Ø"/>
+            </a:pPr>
+            <a:r>
+              <a:rPr lang="en-IN" dirty="0" smtClean="0"/>
+              <a:t>Creating </a:t>
+            </a:r>
+            <a:r>
+              <a:rPr lang="en-IN" dirty="0" err="1" smtClean="0"/>
+              <a:t>docker</a:t>
+            </a:r>
+            <a:r>
+              <a:rPr lang="en-IN" dirty="0" smtClean="0"/>
+              <a:t> multi container environment</a:t>
+            </a:r>
+          </a:p>
+          <a:p>
+            <a:pPr>
+              <a:buNone/>
+            </a:pPr>
+            <a:r>
+              <a:rPr lang="en-IN" dirty="0" smtClean="0"/>
+              <a:t>	</a:t>
+            </a:r>
+            <a:r>
+              <a:rPr lang="en-IN" dirty="0" err="1" smtClean="0"/>
+              <a:t>docker</a:t>
+            </a:r>
+            <a:r>
+              <a:rPr lang="en-IN" dirty="0" smtClean="0"/>
+              <a:t>-compose up </a:t>
+            </a:r>
+          </a:p>
+          <a:p>
+            <a:pPr>
+              <a:buFont typeface="Wingdings" pitchFamily="2" charset="2"/>
+              <a:buChar char="Ø"/>
+            </a:pPr>
+            <a:r>
+              <a:rPr lang="en-IN" dirty="0" smtClean="0"/>
+              <a:t>Destroying multi container environment</a:t>
+            </a:r>
+          </a:p>
+          <a:p>
+            <a:pPr>
+              <a:buNone/>
+            </a:pPr>
+            <a:r>
+              <a:rPr lang="en-IN" dirty="0" smtClean="0"/>
+              <a:t>	</a:t>
+            </a:r>
+            <a:r>
+              <a:rPr lang="en-IN" dirty="0" err="1" smtClean="0"/>
+              <a:t>docker</a:t>
+            </a:r>
+            <a:r>
+              <a:rPr lang="en-IN" dirty="0" smtClean="0"/>
+              <a:t>-compose down</a:t>
+            </a:r>
+          </a:p>
+          <a:p>
+            <a:pPr>
+              <a:buNone/>
+            </a:pPr>
+            <a:endParaRPr lang="en-IN" dirty="0" smtClean="0"/>
+          </a:p>
+          <a:p>
+            <a:pPr>
+              <a:buFont typeface="Wingdings" pitchFamily="2" charset="2"/>
+              <a:buChar char="Ø"/>
+            </a:pPr>
+            <a:r>
+              <a:rPr lang="en-IN" dirty="0" smtClean="0"/>
+              <a:t>Starting multi container environment</a:t>
+            </a:r>
+          </a:p>
+          <a:p>
+            <a:pPr>
+              <a:buNone/>
+            </a:pPr>
+            <a:r>
+              <a:rPr lang="en-IN" dirty="0" smtClean="0"/>
+              <a:t>	</a:t>
+            </a:r>
+            <a:r>
+              <a:rPr lang="en-IN" dirty="0" err="1" smtClean="0"/>
+              <a:t>docker</a:t>
+            </a:r>
+            <a:r>
+              <a:rPr lang="en-IN" dirty="0" smtClean="0"/>
+              <a:t>-compose start </a:t>
+            </a:r>
+          </a:p>
+          <a:p>
+            <a:pPr>
+              <a:buFont typeface="Wingdings" pitchFamily="2" charset="2"/>
+              <a:buChar char="Ø"/>
+            </a:pPr>
+            <a:r>
+              <a:rPr lang="en-IN" dirty="0" smtClean="0"/>
+              <a:t>Stopping multi container environment</a:t>
+            </a:r>
+          </a:p>
+          <a:p>
+            <a:pPr>
+              <a:buNone/>
+            </a:pPr>
+            <a:r>
+              <a:rPr lang="en-IN" dirty="0" smtClean="0"/>
+              <a:t>	</a:t>
+            </a:r>
+            <a:r>
+              <a:rPr lang="en-IN" dirty="0" err="1" smtClean="0"/>
+              <a:t>docker</a:t>
+            </a:r>
+            <a:r>
+              <a:rPr lang="en-IN" dirty="0" smtClean="0"/>
+              <a:t>-compose stop </a:t>
+            </a:r>
+          </a:p>
+          <a:p>
+            <a:pPr>
+              <a:buNone/>
+            </a:pPr>
+            <a:endParaRPr lang="en-IN" dirty="0" smtClean="0"/>
+          </a:p>
+          <a:p>
+            <a:pPr>
+              <a:buFont typeface="Wingdings" pitchFamily="2" charset="2"/>
+              <a:buChar char="Ø"/>
+            </a:pPr>
+            <a:r>
+              <a:rPr lang="en-IN" dirty="0" smtClean="0"/>
+              <a:t>Pausing multi container environment </a:t>
+            </a:r>
+          </a:p>
+          <a:p>
+            <a:pPr>
+              <a:buNone/>
+            </a:pPr>
+            <a:r>
+              <a:rPr lang="en-IN" dirty="0" smtClean="0"/>
+              <a:t>	</a:t>
+            </a:r>
+            <a:r>
+              <a:rPr lang="en-IN" dirty="0" err="1" smtClean="0"/>
+              <a:t>docker</a:t>
+            </a:r>
+            <a:r>
+              <a:rPr lang="en-IN" dirty="0" smtClean="0"/>
+              <a:t>-compose pause </a:t>
+            </a:r>
+          </a:p>
+          <a:p>
+            <a:pPr>
+              <a:buFont typeface="Wingdings" pitchFamily="2" charset="2"/>
+              <a:buChar char="Ø"/>
+            </a:pPr>
+            <a:r>
+              <a:rPr lang="en-IN" dirty="0" err="1" smtClean="0"/>
+              <a:t>Unpausing</a:t>
+            </a:r>
+            <a:r>
+              <a:rPr lang="en-IN" dirty="0" smtClean="0"/>
+              <a:t> multi container environment</a:t>
+            </a:r>
+          </a:p>
+          <a:p>
+            <a:pPr>
+              <a:buNone/>
+            </a:pPr>
+            <a:r>
+              <a:rPr lang="en-IN" dirty="0" smtClean="0"/>
+              <a:t>	</a:t>
+            </a:r>
+            <a:r>
+              <a:rPr lang="en-IN" dirty="0" err="1" smtClean="0"/>
+              <a:t>docker</a:t>
+            </a:r>
+            <a:r>
+              <a:rPr lang="en-IN" dirty="0" smtClean="0"/>
+              <a:t>-compose </a:t>
+            </a:r>
+            <a:r>
+              <a:rPr lang="en-IN" dirty="0" err="1" smtClean="0"/>
+              <a:t>unpause</a:t>
+            </a:r>
+            <a:r>
+              <a:rPr lang="en-IN" dirty="0" smtClean="0"/>
+              <a:t> </a:t>
+            </a:r>
+          </a:p>
+          <a:p>
+            <a:pPr>
+              <a:buNone/>
+            </a:pPr>
+            <a:endParaRPr lang="en-IN" dirty="0" smtClean="0"/>
+          </a:p>
+          <a:p>
+            <a:pPr>
+              <a:buFont typeface="Wingdings" pitchFamily="2" charset="2"/>
+              <a:buChar char="Ø"/>
+            </a:pPr>
+            <a:r>
+              <a:rPr lang="en-IN" dirty="0" smtClean="0"/>
+              <a:t>To view </a:t>
+            </a:r>
+            <a:r>
+              <a:rPr lang="en-IN" dirty="0" err="1" smtClean="0"/>
+              <a:t>docker</a:t>
+            </a:r>
+            <a:r>
+              <a:rPr lang="en-IN" dirty="0" smtClean="0"/>
+              <a:t> processes</a:t>
+            </a:r>
+          </a:p>
+          <a:p>
+            <a:pPr>
+              <a:buNone/>
+            </a:pPr>
+            <a:r>
+              <a:rPr lang="en-IN" dirty="0" smtClean="0"/>
+              <a:t>	</a:t>
+            </a:r>
+            <a:r>
+              <a:rPr lang="en-IN" dirty="0" err="1" smtClean="0"/>
+              <a:t>docker</a:t>
+            </a:r>
+            <a:r>
+              <a:rPr lang="en-IN" dirty="0" smtClean="0"/>
+              <a:t>-compose </a:t>
+            </a:r>
+            <a:r>
+              <a:rPr lang="en-IN" dirty="0" err="1" smtClean="0"/>
+              <a:t>ps</a:t>
+            </a:r>
+            <a:r>
+              <a:rPr lang="en-IN" dirty="0" smtClean="0"/>
+              <a:t> </a:t>
+            </a:r>
+          </a:p>
+          <a:p>
+            <a:pPr>
+              <a:buNone/>
+            </a:pPr>
+            <a:endParaRPr lang="en-IN" dirty="0" smtClean="0"/>
+          </a:p>
+        </p:txBody>
+      </p:sp>
+    </p:spTree>
+  </p:cSld>
+  <p:clrMapOvr>
+    <a:masterClrMapping/>
+  </p:clrMapOvr>
+  <p:timing>
+    <p:tnLst>
+      <p:par>
+        <p:cTn id="1" dur="indefinite" restart="never" nodeType="tmRoot"/>
+      </p:par>
+    </p:tnLst>
+  </p:timing>
+</p:sld>
+</file>
+
+<file path=ppt/slides/slide26.xml><?xml version="1.0" encoding="utf-8"?>
+<p:sld xmlns:a="http://schemas.openxmlformats.org/drawingml/2006/main" xmlns:r="http://schemas.openxmlformats.org/officeDocument/2006/relationships" xmlns:p="http://schemas.openxmlformats.org/presentationml/2006/main">
+  <p:cSld>
+    <p:spTree>
+      <p:nvGrpSpPr>
+        <p:cNvPr id="1" name=""/>
+        <p:cNvGrpSpPr/>
+        <p:nvPr/>
+      </p:nvGrpSpPr>
+      <p:grpSpPr>
+        <a:xfrm>
+          <a:off x="0" y="0"/>
+          <a:ext cx="0" cy="0"/>
+          <a:chOff x="0" y="0"/>
+          <a:chExt cx="0" cy="0"/>
+        </a:xfrm>
+      </p:grpSpPr>
+      <p:sp>
+        <p:nvSpPr>
+          <p:cNvPr id="2" name="Title 1"/>
+          <p:cNvSpPr>
+            <a:spLocks noGrp="1"/>
+          </p:cNvSpPr>
+          <p:nvPr>
+            <p:ph type="title"/>
+          </p:nvPr>
+        </p:nvSpPr>
+        <p:spPr>
+          <a:xfrm>
+            <a:off x="251520" y="2924944"/>
+            <a:ext cx="8064896" cy="1069848"/>
+          </a:xfrm>
+        </p:spPr>
+        <p:txBody>
+          <a:bodyPr>
+            <a:noAutofit/>
+          </a:bodyPr>
+          <a:lstStyle/>
+          <a:p>
+            <a:pPr algn="ctr"/>
+            <a:r>
+              <a:rPr lang="en-IN" sz="3600" dirty="0" smtClean="0"/>
+              <a:t>Running multiple containers using </a:t>
+            </a:r>
+            <a:r>
+              <a:rPr lang="en-IN" sz="3600" dirty="0" err="1" smtClean="0"/>
+              <a:t>docker</a:t>
+            </a:r>
+            <a:r>
+              <a:rPr lang="en-IN" sz="3600" dirty="0" smtClean="0"/>
+              <a:t>-compose</a:t>
+            </a:r>
+            <a:endParaRPr lang="en-IN" sz="3600" dirty="0"/>
+          </a:p>
+        </p:txBody>
+      </p:sp>
+    </p:spTree>
+  </p:cSld>
+  <p:clrMapOvr>
+    <a:masterClrMapping/>
+  </p:clrMapOvr>
+</p:sld>
+</file>
+
+<file path=ppt/slides/slide27.xml><?xml version="1.0" encoding="utf-8"?>
+<p:sld xmlns:a="http://schemas.openxmlformats.org/drawingml/2006/main" xmlns:r="http://schemas.openxmlformats.org/officeDocument/2006/relationships" xmlns:p="http://schemas.openxmlformats.org/presentationml/2006/main">
+  <p:cSld>
+    <p:spTree>
+      <p:nvGrpSpPr>
+        <p:cNvPr id="1" name=""/>
+        <p:cNvGrpSpPr/>
+        <p:nvPr/>
+      </p:nvGrpSpPr>
+      <p:grpSpPr>
+        <a:xfrm>
+          <a:off x="0" y="0"/>
+          <a:ext cx="0" cy="0"/>
+          <a:chOff x="0" y="0"/>
+          <a:chExt cx="0" cy="0"/>
+        </a:xfrm>
+      </p:grpSpPr>
+      <p:sp>
+        <p:nvSpPr>
+          <p:cNvPr id="2" name="Title 1"/>
+          <p:cNvSpPr>
+            <a:spLocks noGrp="1"/>
+          </p:cNvSpPr>
+          <p:nvPr>
+            <p:ph type="title"/>
+          </p:nvPr>
+        </p:nvSpPr>
+        <p:spPr>
+          <a:xfrm>
+            <a:off x="539552" y="2564904"/>
+            <a:ext cx="8229600" cy="1143000"/>
+          </a:xfrm>
+        </p:spPr>
+        <p:txBody>
+          <a:bodyPr/>
+          <a:lstStyle/>
+          <a:p>
+            <a:pPr algn="ctr"/>
+            <a:r>
+              <a:rPr lang="en-IN" b="1" dirty="0" smtClean="0"/>
+              <a:t>Questions ?</a:t>
+            </a:r>
+            <a:endParaRPr lang="en-IN" b="1" dirty="0"/>
+          </a:p>
+        </p:txBody>
+      </p:sp>
+    </p:spTree>
+  </p:cSld>
+  <p:clrMapOvr>
+    <a:masterClrMapping/>
+  </p:clrMapOvr>
+  <p:timing>
+    <p:tnLst>
+      <p:par>
+        <p:cTn id="1" dur="indefinite" restart="never" nodeType="tmRoot"/>
+      </p:par>
+    </p:tnLst>
+  </p:timing>
+</p:sld>
+</file>
+
+<file path=ppt/slides/slide28.xml><?xml version="1.0" encoding="utf-8"?>
+<p:sld xmlns:a="http://schemas.openxmlformats.org/drawingml/2006/main" xmlns:r="http://schemas.openxmlformats.org/officeDocument/2006/relationships" xmlns:p="http://schemas.openxmlformats.org/presentationml/2006/main">
+  <p:cSld>
+    <p:spTree>
+      <p:nvGrpSpPr>
+        <p:cNvPr id="1" name=""/>
+        <p:cNvGrpSpPr/>
+        <p:nvPr/>
+      </p:nvGrpSpPr>
+      <p:grpSpPr>
+        <a:xfrm>
+          <a:off x="0" y="0"/>
+          <a:ext cx="0" cy="0"/>
+          <a:chOff x="0" y="0"/>
+          <a:chExt cx="0" cy="0"/>
+        </a:xfrm>
+      </p:grpSpPr>
+      <p:sp>
+        <p:nvSpPr>
           <p:cNvPr id="4" name="Title 3"/>
           <p:cNvSpPr>
             <a:spLocks noGrp="1"/>
@@ -6653,6 +7363,13 @@
   <p:clrMapOvr>
     <a:masterClrMapping/>
   </p:clrMapOvr>
+  <p:timing>
+    <p:tnLst>
+      <p:par>
+        <p:cTn id="1" dur="indefinite" restart="never" nodeType="tmRoot"/>
+      </p:par>
+    </p:tnLst>
+  </p:timing>
 </p:sld>
 </file>
 
@@ -6764,6 +7481,13 @@
   <p:clrMapOvr>
     <a:masterClrMapping/>
   </p:clrMapOvr>
+  <p:timing>
+    <p:tnLst>
+      <p:par>
+        <p:cTn id="1" dur="indefinite" restart="never" nodeType="tmRoot"/>
+      </p:par>
+    </p:tnLst>
+  </p:timing>
 </p:sld>
 </file>
 
@@ -6850,6 +7574,13 @@
   <p:clrMapOvr>
     <a:masterClrMapping/>
   </p:clrMapOvr>
+  <p:timing>
+    <p:tnLst>
+      <p:par>
+        <p:cTn id="1" dur="indefinite" restart="never" nodeType="tmRoot"/>
+      </p:par>
+    </p:tnLst>
+  </p:timing>
 </p:sld>
 </file>
 
@@ -6931,6 +7662,13 @@
   <p:clrMapOvr>
     <a:masterClrMapping/>
   </p:clrMapOvr>
+  <p:timing>
+    <p:tnLst>
+      <p:par>
+        <p:cTn id="1" dur="indefinite" restart="never" nodeType="tmRoot"/>
+      </p:par>
+    </p:tnLst>
+  </p:timing>
 </p:sld>
 </file>
 
@@ -7017,6 +7755,13 @@
   <p:clrMapOvr>
     <a:masterClrMapping/>
   </p:clrMapOvr>
+  <p:timing>
+    <p:tnLst>
+      <p:par>
+        <p:cTn id="1" dur="indefinite" restart="never" nodeType="tmRoot"/>
+      </p:par>
+    </p:tnLst>
+  </p:timing>
 </p:sld>
 </file>
 
@@ -7259,6 +8004,13 @@
   <p:clrMapOvr>
     <a:masterClrMapping/>
   </p:clrMapOvr>
+  <p:timing>
+    <p:tnLst>
+      <p:par>
+        <p:cTn id="1" dur="indefinite" restart="never" nodeType="tmRoot"/>
+      </p:par>
+    </p:tnLst>
+  </p:timing>
 </p:sld>
 </file>
 
@@ -7419,6 +8171,13 @@
   <p:clrMapOvr>
     <a:masterClrMapping/>
   </p:clrMapOvr>
+  <p:timing>
+    <p:tnLst>
+      <p:par>
+        <p:cTn id="1" dur="indefinite" restart="never" nodeType="tmRoot"/>
+      </p:par>
+    </p:tnLst>
+  </p:timing>
 </p:sld>
 </file>
 
@@ -7548,6 +8307,13 @@
   <p:clrMapOvr>
     <a:masterClrMapping/>
   </p:clrMapOvr>
+  <p:timing>
+    <p:tnLst>
+      <p:par>
+        <p:cTn id="1" dur="indefinite" restart="never" nodeType="tmRoot"/>
+      </p:par>
+    </p:tnLst>
+  </p:timing>
 </p:sld>
 </file>
 
